--- a/Clase_1.pptx
+++ b/Clase_1.pptx
@@ -4881,167 +4881,35 @@
               <a:buNone/>
             </a:pPr>
             <a:r>
-              <a:rPr sz="3200" dirty="0"/>
-              <a:t>El </a:t>
-            </a:r>
-            <a:r>
-              <a:rPr sz="3200" dirty="0" err="1"/>
-              <a:t>objetivo</a:t>
-            </a:r>
-            <a:r>
-              <a:rPr sz="3200" dirty="0"/>
-              <a:t> del </a:t>
-            </a:r>
-            <a:r>
-              <a:rPr sz="3200" dirty="0" err="1"/>
-              <a:t>curso</a:t>
-            </a:r>
-            <a:r>
-              <a:rPr sz="3200" dirty="0"/>
-              <a:t> es </a:t>
-            </a:r>
-            <a:r>
-              <a:rPr sz="3200" dirty="0" err="1"/>
-              <a:t>desarrollar</a:t>
-            </a:r>
-            <a:r>
-              <a:rPr sz="3200" dirty="0"/>
-              <a:t> las </a:t>
-            </a:r>
-            <a:r>
-              <a:rPr sz="3200" dirty="0" err="1"/>
-              <a:t>capacidades</a:t>
-            </a:r>
-            <a:r>
-              <a:rPr sz="3200" dirty="0"/>
-              <a:t> </a:t>
-            </a:r>
-            <a:r>
-              <a:rPr sz="3200" dirty="0" err="1"/>
-              <a:t>críticas</a:t>
-            </a:r>
-            <a:r>
-              <a:rPr sz="3200" dirty="0"/>
-              <a:t> y </a:t>
-            </a:r>
-            <a:r>
-              <a:rPr sz="3200" dirty="0" err="1"/>
-              <a:t>analíticas</a:t>
-            </a:r>
-            <a:r>
-              <a:rPr sz="3200" dirty="0"/>
-              <a:t> de los </a:t>
-            </a:r>
-            <a:r>
-              <a:rPr sz="3200" dirty="0" err="1"/>
-              <a:t>estudiantes</a:t>
-            </a:r>
-            <a:r>
-              <a:rPr sz="3200" dirty="0"/>
-              <a:t> para la </a:t>
-            </a:r>
-            <a:r>
-              <a:rPr sz="3200" dirty="0" err="1"/>
-              <a:t>producción</a:t>
-            </a:r>
-            <a:r>
-              <a:rPr sz="3200" dirty="0"/>
-              <a:t> y </a:t>
-            </a:r>
-            <a:r>
-              <a:rPr sz="3200" dirty="0" err="1"/>
-              <a:t>escrutinio</a:t>
-            </a:r>
-            <a:r>
-              <a:rPr sz="3200" dirty="0"/>
-              <a:t> de </a:t>
-            </a:r>
-            <a:r>
-              <a:rPr sz="3200" dirty="0" err="1"/>
-              <a:t>índices</a:t>
-            </a:r>
-            <a:r>
-              <a:rPr sz="3200" dirty="0"/>
-              <a:t> </a:t>
-            </a:r>
-            <a:r>
-              <a:rPr sz="3200" dirty="0" err="1"/>
-              <a:t>sociales</a:t>
-            </a:r>
-            <a:r>
-              <a:rPr sz="3200" dirty="0"/>
-              <a:t> </a:t>
-            </a:r>
-            <a:r>
-              <a:rPr sz="3200" dirty="0" err="1"/>
-              <a:t>como</a:t>
-            </a:r>
-            <a:r>
-              <a:rPr sz="3200" dirty="0"/>
-              <a:t> </a:t>
-            </a:r>
-            <a:r>
-              <a:rPr sz="3200" b="1" dirty="0" err="1"/>
-              <a:t>pobreza</a:t>
-            </a:r>
-            <a:r>
-              <a:rPr sz="3200" b="1" dirty="0"/>
-              <a:t>, </a:t>
-            </a:r>
-            <a:r>
-              <a:rPr sz="3200" b="1" dirty="0" err="1"/>
-              <a:t>marginación</a:t>
-            </a:r>
-            <a:r>
-              <a:rPr sz="3200" b="1" dirty="0"/>
-              <a:t>, </a:t>
-            </a:r>
-            <a:r>
-              <a:rPr sz="3200" b="1" dirty="0" err="1"/>
-              <a:t>clase</a:t>
-            </a:r>
-            <a:r>
-              <a:rPr sz="3200" b="1" dirty="0"/>
-              <a:t> social, </a:t>
-            </a:r>
-            <a:r>
-              <a:rPr sz="3200" b="1" dirty="0" err="1"/>
-              <a:t>precariedad</a:t>
-            </a:r>
-            <a:r>
-              <a:rPr sz="3200" b="1" dirty="0"/>
-              <a:t> </a:t>
-            </a:r>
-            <a:r>
-              <a:rPr sz="3200" b="1" dirty="0" err="1"/>
-              <a:t>laboral</a:t>
-            </a:r>
-            <a:r>
-              <a:rPr sz="3200" b="1" dirty="0"/>
-              <a:t>, </a:t>
-            </a:r>
-            <a:r>
-              <a:rPr sz="3200" b="1" dirty="0" err="1"/>
-              <a:t>seguridad</a:t>
-            </a:r>
-            <a:r>
-              <a:rPr sz="3200" b="1" dirty="0"/>
-              <a:t> </a:t>
-            </a:r>
-            <a:r>
-              <a:rPr sz="3200" b="1" dirty="0" err="1"/>
-              <a:t>alimentaria</a:t>
-            </a:r>
-            <a:r>
-              <a:rPr sz="3200" b="1" dirty="0"/>
-              <a:t>, derechos </a:t>
-            </a:r>
-            <a:r>
-              <a:rPr sz="3200" b="1" dirty="0" err="1"/>
-              <a:t>sociales</a:t>
-            </a:r>
-            <a:r>
-              <a:rPr sz="3200" dirty="0"/>
+              <a:rPr lang="es-MX" sz="3200" dirty="0"/>
+              <a:t>La medición es el corazón de la ciencia y, sin embargo, se </a:t>
+            </a:r>
+            <a:r>
+              <a:rPr lang="es-MX" sz="3200"/>
+              <a:t>hace descuidadamente</a:t>
+            </a:r>
+            <a:endParaRPr lang="es-MX" sz="3200" dirty="0"/>
+          </a:p>
+          <a:p>
+            <a:pPr marL="0" indent="0" algn="ctr">
+              <a:buNone/>
+            </a:pPr>
+            <a:endParaRPr lang="es-MX" sz="3200" dirty="0"/>
+          </a:p>
+          <a:p>
+            <a:pPr marL="0" indent="0" algn="ctr">
+              <a:buNone/>
+            </a:pPr>
+            <a:r>
+              <a:rPr lang="es-MX" sz="3200" dirty="0"/>
+              <a:t>El objetivo del curso es desarrollar las capacidades críticas y analíticas de los estudiantes para la producción y escrutinio de índices sociales como </a:t>
+            </a:r>
+            <a:r>
+              <a:rPr lang="es-MX" sz="3200" b="1" dirty="0"/>
+              <a:t>pobreza, marginación, clase social, precariedad laboral, seguridad alimentaria, derechos sociales</a:t>
+            </a:r>
+            <a:r>
+              <a:rPr lang="es-MX" sz="3200" dirty="0"/>
               <a:t>, etc.</a:t>
             </a:r>
           </a:p>
@@ -5160,474 +5028,71 @@
           <a:p>
             <a:pPr lvl="1"/>
             <a:r>
-              <a:rPr dirty="0" err="1"/>
-              <a:t>Encender</a:t>
-            </a:r>
-            <a:r>
-              <a:rPr dirty="0"/>
-              <a:t> por </a:t>
-            </a:r>
-            <a:r>
-              <a:rPr dirty="0" err="1"/>
-              <a:t>qué</a:t>
-            </a:r>
-            <a:r>
-              <a:rPr dirty="0"/>
-              <a:t> es </a:t>
-            </a:r>
-            <a:r>
-              <a:rPr dirty="0" err="1"/>
-              <a:t>importante</a:t>
-            </a:r>
-            <a:r>
-              <a:rPr dirty="0"/>
-              <a:t> </a:t>
-            </a:r>
-            <a:r>
-              <a:rPr dirty="0" err="1"/>
-              <a:t>trabajar</a:t>
-            </a:r>
-            <a:r>
-              <a:rPr dirty="0"/>
-              <a:t> con </a:t>
-            </a:r>
-            <a:r>
-              <a:rPr dirty="0" err="1"/>
-              <a:t>medidas</a:t>
-            </a:r>
-            <a:r>
-              <a:rPr dirty="0"/>
-              <a:t> </a:t>
-            </a:r>
-            <a:r>
-              <a:rPr dirty="0" err="1"/>
-              <a:t>falsables</a:t>
-            </a:r>
-            <a:r>
-              <a:rPr dirty="0"/>
-              <a:t> </a:t>
-            </a:r>
-            <a:r>
-              <a:rPr dirty="0" err="1"/>
-              <a:t>en</a:t>
-            </a:r>
-            <a:r>
-              <a:rPr dirty="0"/>
-              <a:t> </a:t>
-            </a:r>
-            <a:r>
-              <a:rPr dirty="0" err="1"/>
-              <a:t>ciencias</a:t>
-            </a:r>
-            <a:r>
-              <a:rPr dirty="0"/>
-              <a:t> </a:t>
-            </a:r>
-            <a:r>
-              <a:rPr dirty="0" err="1"/>
-              <a:t>sociales</a:t>
-            </a:r>
-            <a:endParaRPr dirty="0"/>
+              <a:rPr lang="es-MX" dirty="0"/>
+              <a:t>Encender por qué es importante trabajar con medidas falsables en ciencias sociales</a:t>
+            </a:r>
           </a:p>
           <a:p>
             <a:pPr lvl="1"/>
             <a:r>
-              <a:rPr dirty="0" err="1"/>
-              <a:t>Identificar</a:t>
-            </a:r>
-            <a:r>
-              <a:rPr dirty="0"/>
-              <a:t> la </a:t>
-            </a:r>
-            <a:r>
-              <a:rPr dirty="0" err="1"/>
-              <a:t>diferencia</a:t>
-            </a:r>
-            <a:r>
-              <a:rPr dirty="0"/>
-              <a:t> entre un </a:t>
-            </a:r>
-            <a:r>
-              <a:rPr dirty="0" err="1"/>
-              <a:t>método</a:t>
-            </a:r>
-            <a:r>
-              <a:rPr dirty="0"/>
-              <a:t> de </a:t>
-            </a:r>
-            <a:r>
-              <a:rPr dirty="0" err="1"/>
-              <a:t>agregación</a:t>
-            </a:r>
-            <a:r>
-              <a:rPr dirty="0"/>
-              <a:t> y una </a:t>
-            </a:r>
-            <a:r>
-              <a:rPr dirty="0" err="1"/>
-              <a:t>metodología</a:t>
-            </a:r>
-            <a:r>
-              <a:rPr dirty="0"/>
-              <a:t> de </a:t>
-            </a:r>
-            <a:r>
-              <a:rPr dirty="0" err="1"/>
-              <a:t>escrutinio</a:t>
-            </a:r>
-            <a:r>
-              <a:rPr dirty="0"/>
-              <a:t> </a:t>
-            </a:r>
-            <a:r>
-              <a:rPr dirty="0" err="1"/>
-              <a:t>empírico</a:t>
-            </a:r>
-            <a:endParaRPr dirty="0"/>
+              <a:rPr lang="es-MX" dirty="0"/>
+              <a:t>Identificar la diferencia entre un método de agregación y una metodología de escrutinio empírico</a:t>
+            </a:r>
           </a:p>
           <a:p>
             <a:pPr lvl="1"/>
             <a:r>
-              <a:rPr dirty="0" err="1"/>
-              <a:t>Apreciar</a:t>
-            </a:r>
-            <a:r>
-              <a:rPr dirty="0"/>
-              <a:t> la </a:t>
-            </a:r>
-            <a:r>
-              <a:rPr dirty="0" err="1"/>
-              <a:t>relevancia</a:t>
-            </a:r>
-            <a:r>
-              <a:rPr dirty="0"/>
-              <a:t> de la </a:t>
-            </a:r>
-            <a:r>
-              <a:rPr dirty="0" err="1"/>
-              <a:t>teoría</a:t>
-            </a:r>
-            <a:r>
-              <a:rPr dirty="0"/>
-              <a:t> de la </a:t>
-            </a:r>
-            <a:r>
-              <a:rPr dirty="0" err="1"/>
-              <a:t>medida</a:t>
-            </a:r>
-            <a:r>
-              <a:rPr dirty="0"/>
-              <a:t> para </a:t>
-            </a:r>
-            <a:r>
-              <a:rPr dirty="0" err="1"/>
-              <a:t>examinar</a:t>
-            </a:r>
-            <a:r>
-              <a:rPr dirty="0"/>
-              <a:t> </a:t>
-            </a:r>
-            <a:r>
-              <a:rPr dirty="0" err="1"/>
-              <a:t>índices</a:t>
-            </a:r>
-            <a:r>
-              <a:rPr dirty="0"/>
-              <a:t> </a:t>
-            </a:r>
-            <a:r>
-              <a:rPr dirty="0" err="1"/>
-              <a:t>sociales</a:t>
-            </a:r>
-            <a:endParaRPr dirty="0"/>
+              <a:rPr lang="es-MX" dirty="0"/>
+              <a:t>Apreciar la relevancia de la teoría de la medida para examinar índices sociales</a:t>
+            </a:r>
           </a:p>
           <a:p>
             <a:pPr lvl="1"/>
             <a:r>
-              <a:rPr dirty="0" err="1"/>
-              <a:t>Comprender</a:t>
-            </a:r>
-            <a:r>
-              <a:rPr dirty="0"/>
-              <a:t> los </a:t>
-            </a:r>
-            <a:r>
-              <a:rPr dirty="0" err="1"/>
-              <a:t>vínculos</a:t>
-            </a:r>
-            <a:r>
-              <a:rPr dirty="0"/>
-              <a:t> entre la </a:t>
-            </a:r>
-            <a:r>
-              <a:rPr dirty="0" err="1"/>
-              <a:t>teoría</a:t>
-            </a:r>
-            <a:r>
-              <a:rPr dirty="0"/>
-              <a:t> de la </a:t>
-            </a:r>
-            <a:r>
-              <a:rPr dirty="0" err="1"/>
-              <a:t>medida</a:t>
-            </a:r>
-            <a:r>
-              <a:rPr dirty="0"/>
-              <a:t>, variables </a:t>
-            </a:r>
-            <a:r>
-              <a:rPr dirty="0" err="1"/>
-              <a:t>latentes</a:t>
-            </a:r>
-            <a:r>
-              <a:rPr dirty="0"/>
+              <a:rPr lang="es-MX" dirty="0"/>
+              <a:t>Comprender los vínculos entre la teoría de la medida, variables latentes y ecuaciones estructurales</a:t>
+            </a:r>
+          </a:p>
+          <a:p>
+            <a:pPr lvl="1"/>
+            <a:r>
+              <a:rPr lang="es-MX" dirty="0"/>
+              <a:t>Entender por qué los principios de confiabilidad y validez son una necesidad necesaria para una calidad mínima de medición</a:t>
+            </a:r>
+          </a:p>
+          <a:p>
+            <a:pPr lvl="1"/>
+            <a:r>
+              <a:rPr lang="es-MX" dirty="0"/>
+              <a:t>Implementar análisis de ecuaciones estructurales de confiabilidad y validez usando </a:t>
+            </a:r>
+            <a:r>
+              <a:rPr lang="es-MX" b="1" dirty="0"/>
+              <a:t>R-software</a:t>
+            </a:r>
+            <a:r>
+              <a:rPr lang="es-MX" dirty="0"/>
               <a:t> y </a:t>
             </a:r>
             <a:r>
-              <a:rPr dirty="0" err="1"/>
-              <a:t>ecuaciones</a:t>
-            </a:r>
-            <a:r>
-              <a:rPr dirty="0"/>
-              <a:t> </a:t>
-            </a:r>
-            <a:r>
-              <a:rPr dirty="0" err="1"/>
-              <a:t>estructurales</a:t>
-            </a:r>
-            <a:endParaRPr dirty="0"/>
+              <a:rPr lang="es-MX" b="1" dirty="0" err="1"/>
+              <a:t>Mplus</a:t>
+            </a:r>
+            <a:endParaRPr lang="es-MX" b="1" dirty="0"/>
           </a:p>
           <a:p>
             <a:pPr lvl="1"/>
             <a:r>
-              <a:rPr dirty="0" err="1"/>
-              <a:t>Entender</a:t>
-            </a:r>
-            <a:r>
-              <a:rPr dirty="0"/>
-              <a:t> por </a:t>
-            </a:r>
-            <a:r>
-              <a:rPr dirty="0" err="1"/>
-              <a:t>qué</a:t>
-            </a:r>
-            <a:r>
-              <a:rPr dirty="0"/>
-              <a:t> los </a:t>
-            </a:r>
-            <a:r>
-              <a:rPr dirty="0" err="1"/>
-              <a:t>principios</a:t>
-            </a:r>
-            <a:r>
-              <a:rPr dirty="0"/>
-              <a:t> de </a:t>
-            </a:r>
-            <a:r>
-              <a:rPr dirty="0" err="1"/>
-              <a:t>confiabilidad</a:t>
-            </a:r>
-            <a:r>
-              <a:rPr dirty="0"/>
-              <a:t> y </a:t>
-            </a:r>
-            <a:r>
-              <a:rPr dirty="0" err="1"/>
-              <a:t>validez</a:t>
-            </a:r>
-            <a:r>
-              <a:rPr dirty="0"/>
-              <a:t> son una </a:t>
-            </a:r>
-            <a:r>
-              <a:rPr dirty="0" err="1"/>
-              <a:t>necesidad</a:t>
-            </a:r>
-            <a:r>
-              <a:rPr dirty="0"/>
-              <a:t> </a:t>
-            </a:r>
-            <a:r>
-              <a:rPr dirty="0" err="1"/>
-              <a:t>necesaria</a:t>
-            </a:r>
-            <a:r>
-              <a:rPr dirty="0"/>
-              <a:t> para una </a:t>
-            </a:r>
-            <a:r>
-              <a:rPr dirty="0" err="1"/>
-              <a:t>calidad</a:t>
-            </a:r>
-            <a:r>
-              <a:rPr dirty="0"/>
-              <a:t> </a:t>
-            </a:r>
-            <a:r>
-              <a:rPr dirty="0" err="1"/>
-              <a:t>mínima</a:t>
-            </a:r>
-            <a:r>
-              <a:rPr dirty="0"/>
-              <a:t> de </a:t>
-            </a:r>
-            <a:r>
-              <a:rPr dirty="0" err="1"/>
-              <a:t>medición</a:t>
-            </a:r>
-            <a:endParaRPr dirty="0"/>
+              <a:rPr lang="es-MX" dirty="0"/>
+              <a:t>Interpretar los resultados de los análisis de una forma crítica</a:t>
+            </a:r>
           </a:p>
           <a:p>
             <a:pPr lvl="1"/>
             <a:r>
-              <a:rPr dirty="0" err="1"/>
-              <a:t>Implementar</a:t>
-            </a:r>
-            <a:r>
-              <a:rPr dirty="0"/>
-              <a:t> </a:t>
-            </a:r>
-            <a:r>
-              <a:rPr dirty="0" err="1"/>
-              <a:t>análisis</a:t>
-            </a:r>
-            <a:r>
-              <a:rPr dirty="0"/>
-              <a:t> de </a:t>
-            </a:r>
-            <a:r>
-              <a:rPr dirty="0" err="1"/>
-              <a:t>ecuaciones</a:t>
-            </a:r>
-            <a:r>
-              <a:rPr dirty="0"/>
-              <a:t> </a:t>
-            </a:r>
-            <a:r>
-              <a:rPr dirty="0" err="1"/>
-              <a:t>estructurales</a:t>
-            </a:r>
-            <a:r>
-              <a:rPr dirty="0"/>
-              <a:t> de </a:t>
-            </a:r>
-            <a:r>
-              <a:rPr dirty="0" err="1"/>
-              <a:t>confiabilidad</a:t>
-            </a:r>
-            <a:r>
-              <a:rPr dirty="0"/>
-              <a:t> y </a:t>
-            </a:r>
-            <a:r>
-              <a:rPr dirty="0" err="1"/>
-              <a:t>validez</a:t>
-            </a:r>
-            <a:r>
-              <a:rPr dirty="0"/>
-              <a:t> </a:t>
-            </a:r>
-            <a:r>
-              <a:rPr dirty="0" err="1"/>
-              <a:t>usando</a:t>
-            </a:r>
-            <a:r>
-              <a:rPr dirty="0"/>
-              <a:t> </a:t>
-            </a:r>
-            <a:r>
-              <a:rPr b="1" dirty="0"/>
-              <a:t>R-software</a:t>
-            </a:r>
-            <a:r>
-              <a:rPr dirty="0"/>
-              <a:t> y </a:t>
-            </a:r>
-            <a:r>
-              <a:rPr b="1" dirty="0" err="1"/>
-              <a:t>Mplus</a:t>
-            </a:r>
-            <a:endParaRPr b="1" dirty="0"/>
-          </a:p>
-          <a:p>
-            <a:pPr lvl="1"/>
-            <a:r>
-              <a:rPr dirty="0" err="1"/>
-              <a:t>Interpretar</a:t>
-            </a:r>
-            <a:r>
-              <a:rPr dirty="0"/>
-              <a:t> los </a:t>
-            </a:r>
-            <a:r>
-              <a:rPr dirty="0" err="1"/>
-              <a:t>resultados</a:t>
-            </a:r>
-            <a:r>
-              <a:rPr dirty="0"/>
-              <a:t> de los </a:t>
-            </a:r>
-            <a:r>
-              <a:rPr dirty="0" err="1"/>
-              <a:t>análisis</a:t>
-            </a:r>
-            <a:r>
-              <a:rPr dirty="0"/>
-              <a:t> de una forma </a:t>
-            </a:r>
-            <a:r>
-              <a:rPr dirty="0" err="1"/>
-              <a:t>crítica</a:t>
-            </a:r>
-            <a:endParaRPr dirty="0"/>
-          </a:p>
-          <a:p>
-            <a:pPr lvl="1"/>
-            <a:r>
-              <a:rPr dirty="0" err="1"/>
-              <a:t>Identificar</a:t>
-            </a:r>
-            <a:r>
-              <a:rPr dirty="0"/>
-              <a:t> los </a:t>
-            </a:r>
-            <a:r>
-              <a:rPr dirty="0" err="1"/>
-              <a:t>usos</a:t>
-            </a:r>
-            <a:r>
-              <a:rPr dirty="0"/>
-              <a:t> </a:t>
-            </a:r>
-            <a:r>
-              <a:rPr dirty="0" err="1"/>
-              <a:t>apropiados</a:t>
-            </a:r>
-            <a:r>
-              <a:rPr dirty="0"/>
-              <a:t> e </a:t>
-            </a:r>
-            <a:r>
-              <a:rPr dirty="0" err="1"/>
-              <a:t>inapropiados</a:t>
-            </a:r>
-            <a:r>
-              <a:rPr dirty="0"/>
-              <a:t> de </a:t>
-            </a:r>
-            <a:r>
-              <a:rPr dirty="0" err="1"/>
-              <a:t>ecuaciones</a:t>
-            </a:r>
-            <a:r>
-              <a:rPr dirty="0"/>
-              <a:t> </a:t>
-            </a:r>
-            <a:r>
-              <a:rPr dirty="0" err="1"/>
-              <a:t>estructurales</a:t>
-            </a:r>
-            <a:endParaRPr dirty="0"/>
+              <a:rPr lang="es-MX" dirty="0"/>
+              <a:t>Identificar los usos apropiados e inapropiados de ecuaciones estructurales</a:t>
+            </a:r>
           </a:p>
         </p:txBody>
       </p:sp>
@@ -6211,7 +5676,104 @@
               <a:buNone/>
             </a:pPr>
             <a:r>
-              <a:t>Los docentes utilizarán esta plataforma para compartir los materiales del curso (bibliografía, presentaciones, ejercicios). La dirección relevante es:</a:t>
+              <a:rPr dirty="0"/>
+              <a:t>Los </a:t>
+            </a:r>
+            <a:r>
+              <a:rPr dirty="0" err="1"/>
+              <a:t>docentes</a:t>
+            </a:r>
+            <a:r>
+              <a:rPr dirty="0"/>
+              <a:t> </a:t>
+            </a:r>
+            <a:r>
+              <a:rPr dirty="0" err="1"/>
+              <a:t>utilizarán</a:t>
+            </a:r>
+            <a:r>
+              <a:rPr dirty="0"/>
+              <a:t> </a:t>
+            </a:r>
+            <a:r>
+              <a:rPr dirty="0" err="1"/>
+              <a:t>esta</a:t>
+            </a:r>
+            <a:r>
+              <a:rPr dirty="0"/>
+              <a:t> </a:t>
+            </a:r>
+            <a:r>
+              <a:rPr dirty="0" err="1"/>
+              <a:t>plataforma</a:t>
+            </a:r>
+            <a:r>
+              <a:rPr dirty="0"/>
+              <a:t> para </a:t>
+            </a:r>
+            <a:r>
+              <a:rPr dirty="0" err="1"/>
+              <a:t>compartir</a:t>
+            </a:r>
+            <a:r>
+              <a:rPr dirty="0"/>
+              <a:t> los </a:t>
+            </a:r>
+            <a:r>
+              <a:rPr dirty="0" err="1"/>
+              <a:t>materiales</a:t>
+            </a:r>
+            <a:r>
+              <a:rPr dirty="0"/>
+              <a:t> del </a:t>
+            </a:r>
+            <a:r>
+              <a:rPr dirty="0" err="1"/>
+              <a:t>curso</a:t>
+            </a:r>
+            <a:r>
+              <a:rPr dirty="0"/>
+              <a:t> (</a:t>
+            </a:r>
+            <a:r>
+              <a:rPr dirty="0" err="1"/>
+              <a:t>bibliografía</a:t>
+            </a:r>
+            <a:r>
+              <a:rPr dirty="0"/>
+              <a:t>, </a:t>
+            </a:r>
+            <a:r>
+              <a:rPr dirty="0" err="1"/>
+              <a:t>presentaciones</a:t>
+            </a:r>
+            <a:r>
+              <a:rPr dirty="0"/>
+              <a:t>, </a:t>
+            </a:r>
+            <a:r>
+              <a:rPr dirty="0" err="1"/>
+              <a:t>ejercicios</a:t>
+            </a:r>
+            <a:r>
+              <a:rPr dirty="0"/>
+              <a:t>). La </a:t>
+            </a:r>
+            <a:r>
+              <a:rPr dirty="0" err="1"/>
+              <a:t>dirección</a:t>
+            </a:r>
+            <a:r>
+              <a:rPr dirty="0"/>
+              <a:t> </a:t>
+            </a:r>
+            <a:r>
+              <a:rPr dirty="0" err="1"/>
+              <a:t>relevante</a:t>
+            </a:r>
+            <a:r>
+              <a:rPr dirty="0"/>
+              <a:t> es:</a:t>
             </a:r>
           </a:p>
           <a:p>
@@ -6219,11 +5781,80 @@
               <a:buNone/>
             </a:pPr>
             <a:r>
-              <a:rPr>
+              <a:rPr dirty="0">
                 <a:hlinkClick r:id="rId2"/>
               </a:rPr>
               <a:t>https://github.com/hectornajera83/SEMindicadores</a:t>
             </a:r>
+            <a:endParaRPr lang="en-GB" dirty="0">
+              <a:hlinkClick r:id="rId2"/>
+            </a:endParaRPr>
+          </a:p>
+          <a:p>
+            <a:pPr marL="0" indent="0">
+              <a:buNone/>
+            </a:pPr>
+            <a:endParaRPr lang="en-GB" dirty="0">
+              <a:hlinkClick r:id="rId2"/>
+            </a:endParaRPr>
+          </a:p>
+          <a:p>
+            <a:pPr marL="0" indent="0">
+              <a:buNone/>
+            </a:pPr>
+            <a:r>
+              <a:rPr lang="en-GB" dirty="0"/>
+              <a:t>Las </a:t>
+            </a:r>
+            <a:r>
+              <a:rPr lang="en-GB" dirty="0" err="1"/>
+              <a:t>lecturas</a:t>
+            </a:r>
+            <a:r>
+              <a:rPr lang="en-GB" dirty="0"/>
+              <a:t> se </a:t>
+            </a:r>
+            <a:r>
+              <a:rPr lang="en-GB" dirty="0" err="1"/>
+              <a:t>pondrán</a:t>
+            </a:r>
+            <a:r>
+              <a:rPr lang="en-GB" dirty="0"/>
+              <a:t> </a:t>
+            </a:r>
+            <a:r>
+              <a:rPr lang="en-GB" dirty="0" err="1"/>
+              <a:t>en</a:t>
+            </a:r>
+            <a:r>
+              <a:rPr lang="en-GB" dirty="0"/>
+              <a:t> OneDrive:</a:t>
+            </a:r>
+            <a:endParaRPr lang="en-GB" dirty="0">
+              <a:hlinkClick r:id="rId2"/>
+            </a:endParaRPr>
+          </a:p>
+          <a:p>
+            <a:pPr marL="0" indent="0">
+              <a:buNone/>
+            </a:pPr>
+            <a:endParaRPr lang="en-GB" dirty="0">
+              <a:hlinkClick r:id="rId2"/>
+            </a:endParaRPr>
+          </a:p>
+          <a:p>
+            <a:pPr marL="0" indent="0">
+              <a:buNone/>
+            </a:pPr>
+            <a:r>
+              <a:rPr lang="en-GB" dirty="0">
+                <a:hlinkClick r:id="rId2"/>
+              </a:rPr>
+              <a:t>https://1drv.ms/u/s!AlMj8cdErzRZaUGsfummX-8yX00?e=LRSCHl</a:t>
+            </a:r>
+            <a:endParaRPr dirty="0">
+              <a:hlinkClick r:id="rId2"/>
+            </a:endParaRPr>
           </a:p>
           <a:p>
             <a:pPr marL="0" indent="0">
@@ -6233,7 +5864,7 @@
               <a:buNone/>
             </a:pPr>
             <a:r>
-              <a:rPr b="1"/>
+              <a:rPr b="1" dirty="0"/>
               <a:t>Lugar y hora</a:t>
             </a:r>
           </a:p>
@@ -6242,7 +5873,12 @@
               <a:buNone/>
             </a:pPr>
             <a:r>
-              <a:t>Miércoles. Salón 209. 4 a 7 pm.</a:t>
+              <a:rPr dirty="0" err="1"/>
+              <a:t>Miércoles</a:t>
+            </a:r>
+            <a:r>
+              <a:rPr dirty="0"/>
+              <a:t>. Salón 209. 4 a 7 pm.</a:t>
             </a:r>
           </a:p>
         </p:txBody>

--- a/Clase_1.pptx
+++ b/Clase_1.pptx
@@ -7,21 +7,23 @@
   <p:sldIdLst>
     <p:sldId id="257" r:id="rId2"/>
     <p:sldId id="258" r:id="rId3"/>
-    <p:sldId id="259" r:id="rId4"/>
-    <p:sldId id="260" r:id="rId5"/>
-    <p:sldId id="261" r:id="rId6"/>
-    <p:sldId id="262" r:id="rId7"/>
-    <p:sldId id="263" r:id="rId8"/>
-    <p:sldId id="264" r:id="rId9"/>
-    <p:sldId id="265" r:id="rId10"/>
-    <p:sldId id="266" r:id="rId11"/>
-    <p:sldId id="267" r:id="rId12"/>
-    <p:sldId id="269" r:id="rId13"/>
-    <p:sldId id="270" r:id="rId14"/>
-    <p:sldId id="271" r:id="rId15"/>
-    <p:sldId id="272" r:id="rId16"/>
-    <p:sldId id="273" r:id="rId17"/>
-    <p:sldId id="268" r:id="rId18"/>
+    <p:sldId id="274" r:id="rId4"/>
+    <p:sldId id="259" r:id="rId5"/>
+    <p:sldId id="260" r:id="rId6"/>
+    <p:sldId id="261" r:id="rId7"/>
+    <p:sldId id="262" r:id="rId8"/>
+    <p:sldId id="263" r:id="rId9"/>
+    <p:sldId id="264" r:id="rId10"/>
+    <p:sldId id="265" r:id="rId11"/>
+    <p:sldId id="266" r:id="rId12"/>
+    <p:sldId id="275" r:id="rId13"/>
+    <p:sldId id="267" r:id="rId14"/>
+    <p:sldId id="269" r:id="rId15"/>
+    <p:sldId id="270" r:id="rId16"/>
+    <p:sldId id="271" r:id="rId17"/>
+    <p:sldId id="272" r:id="rId18"/>
+    <p:sldId id="273" r:id="rId19"/>
+    <p:sldId id="268" r:id="rId20"/>
   </p:sldIdLst>
   <p:sldSz cx="12192000" cy="6858000"/>
   <p:notesSz cx="6858000" cy="9144000"/>
@@ -356,7 +358,7 @@
           <a:p>
             <a:fld id="{219B83AC-891D-8147-800E-9455D2F3A257}" type="datetimeFigureOut">
               <a:rPr lang="es-ES" smtClean="0"/>
-              <a:t>06/08/2019</a:t>
+              <a:t>07/08/2019</a:t>
             </a:fld>
             <a:endParaRPr lang="es-ES"/>
           </a:p>
@@ -524,7 +526,7 @@
           <a:p>
             <a:fld id="{219B83AC-891D-8147-800E-9455D2F3A257}" type="datetimeFigureOut">
               <a:rPr lang="es-ES" smtClean="0"/>
-              <a:t>06/08/2019</a:t>
+              <a:t>07/08/2019</a:t>
             </a:fld>
             <a:endParaRPr lang="es-ES"/>
           </a:p>
@@ -702,7 +704,7 @@
           <a:p>
             <a:fld id="{219B83AC-891D-8147-800E-9455D2F3A257}" type="datetimeFigureOut">
               <a:rPr lang="es-ES" smtClean="0"/>
-              <a:t>06/08/2019</a:t>
+              <a:t>07/08/2019</a:t>
             </a:fld>
             <a:endParaRPr lang="es-ES"/>
           </a:p>
@@ -894,7 +896,7 @@
           <a:p>
             <a:fld id="{219B83AC-891D-8147-800E-9455D2F3A257}" type="datetimeFigureOut">
               <a:rPr lang="es-ES" smtClean="0"/>
-              <a:t>06/08/2019</a:t>
+              <a:t>07/08/2019</a:t>
             </a:fld>
             <a:endParaRPr lang="es-ES"/>
           </a:p>
@@ -1141,7 +1143,7 @@
           <a:p>
             <a:fld id="{219B83AC-891D-8147-800E-9455D2F3A257}" type="datetimeFigureOut">
               <a:rPr lang="es-ES" smtClean="0"/>
-              <a:t>06/08/2019</a:t>
+              <a:t>07/08/2019</a:t>
             </a:fld>
             <a:endParaRPr lang="es-ES"/>
           </a:p>
@@ -1426,7 +1428,7 @@
           <a:p>
             <a:fld id="{219B83AC-891D-8147-800E-9455D2F3A257}" type="datetimeFigureOut">
               <a:rPr lang="es-ES" smtClean="0"/>
-              <a:t>06/08/2019</a:t>
+              <a:t>07/08/2019</a:t>
             </a:fld>
             <a:endParaRPr lang="es-ES"/>
           </a:p>
@@ -1850,7 +1852,7 @@
           <a:p>
             <a:fld id="{219B83AC-891D-8147-800E-9455D2F3A257}" type="datetimeFigureOut">
               <a:rPr lang="es-ES" smtClean="0"/>
-              <a:t>06/08/2019</a:t>
+              <a:t>07/08/2019</a:t>
             </a:fld>
             <a:endParaRPr lang="es-ES"/>
           </a:p>
@@ -1967,7 +1969,7 @@
           <a:p>
             <a:fld id="{219B83AC-891D-8147-800E-9455D2F3A257}" type="datetimeFigureOut">
               <a:rPr lang="es-ES" smtClean="0"/>
-              <a:t>06/08/2019</a:t>
+              <a:t>07/08/2019</a:t>
             </a:fld>
             <a:endParaRPr lang="es-ES"/>
           </a:p>
@@ -2062,7 +2064,7 @@
           <a:p>
             <a:fld id="{219B83AC-891D-8147-800E-9455D2F3A257}" type="datetimeFigureOut">
               <a:rPr lang="es-ES" smtClean="0"/>
-              <a:t>06/08/2019</a:t>
+              <a:t>07/08/2019</a:t>
             </a:fld>
             <a:endParaRPr lang="es-ES"/>
           </a:p>
@@ -2338,7 +2340,7 @@
           <a:p>
             <a:fld id="{219B83AC-891D-8147-800E-9455D2F3A257}" type="datetimeFigureOut">
               <a:rPr lang="es-ES" smtClean="0"/>
-              <a:t>06/08/2019</a:t>
+              <a:t>07/08/2019</a:t>
             </a:fld>
             <a:endParaRPr lang="es-ES"/>
           </a:p>
@@ -2594,7 +2596,7 @@
           <a:p>
             <a:fld id="{219B83AC-891D-8147-800E-9455D2F3A257}" type="datetimeFigureOut">
               <a:rPr lang="es-ES" smtClean="0"/>
-              <a:t>06/08/2019</a:t>
+              <a:t>07/08/2019</a:t>
             </a:fld>
             <a:endParaRPr lang="es-ES"/>
           </a:p>
@@ -2837,7 +2839,7 @@
           <a:p>
             <a:fld id="{219B83AC-891D-8147-800E-9455D2F3A257}" type="datetimeFigureOut">
               <a:rPr lang="es-ES" smtClean="0"/>
-              <a:t>06/08/2019</a:t>
+              <a:t>07/08/2019</a:t>
             </a:fld>
             <a:endParaRPr lang="es-ES"/>
           </a:p>
@@ -3359,17 +3361,67 @@
         </p:nvSpPr>
         <p:spPr/>
         <p:txBody>
-          <a:bodyPr/>
+          <a:bodyPr>
+            <a:normAutofit/>
+          </a:bodyPr>
           <a:lstStyle/>
           <a:p>
             <a:pPr lvl="1"/>
             <a:r>
               <a:rPr dirty="0"/>
-              <a:t>Las </a:t>
-            </a:r>
-            <a:r>
-              <a:rPr dirty="0" err="1"/>
-              <a:t>revistas</a:t>
+              <a:t>SEM es un </a:t>
+            </a:r>
+            <a:r>
+              <a:rPr dirty="0" err="1"/>
+              <a:t>marco</a:t>
+            </a:r>
+            <a:r>
+              <a:rPr dirty="0"/>
+              <a:t> de </a:t>
+            </a:r>
+            <a:r>
+              <a:rPr dirty="0" err="1"/>
+              <a:t>unificado</a:t>
+            </a:r>
+            <a:r>
+              <a:rPr dirty="0"/>
+              <a:t> de </a:t>
+            </a:r>
+            <a:r>
+              <a:rPr dirty="0" err="1"/>
+              <a:t>medición</a:t>
+            </a:r>
+            <a:r>
+              <a:rPr dirty="0"/>
+              <a:t> y </a:t>
+            </a:r>
+            <a:r>
+              <a:rPr dirty="0" err="1"/>
+              <a:t>modelación</a:t>
+            </a:r>
+            <a:r>
+              <a:rPr dirty="0"/>
+              <a:t>. Es </a:t>
+            </a:r>
+            <a:r>
+              <a:rPr dirty="0" err="1"/>
+              <a:t>decir</a:t>
+            </a:r>
+            <a:r>
+              <a:rPr dirty="0"/>
+              <a:t>, </a:t>
+            </a:r>
+            <a:r>
+              <a:rPr dirty="0" err="1"/>
+              <a:t>incorpora</a:t>
+            </a:r>
+            <a:r>
+              <a:rPr dirty="0"/>
+              <a:t> el error </a:t>
+            </a:r>
+            <a:r>
+              <a:rPr dirty="0" err="1"/>
+              <a:t>en</a:t>
             </a:r>
             <a:r>
               <a:rPr dirty="0"/>
@@ -3377,7 +3429,31 @@
             </a:r>
             <a:r>
               <a:rPr dirty="0" err="1"/>
-              <a:t>científicas</a:t>
+              <a:t>medición</a:t>
+            </a:r>
+            <a:r>
+              <a:rPr dirty="0"/>
+              <a:t> de la variable </a:t>
+            </a:r>
+            <a:r>
+              <a:rPr dirty="0" err="1"/>
+              <a:t>dependiente</a:t>
+            </a:r>
+            <a:r>
+              <a:rPr dirty="0"/>
+              <a:t> (por </a:t>
+            </a:r>
+            <a:r>
+              <a:rPr dirty="0" err="1"/>
+              <a:t>ejemplo</a:t>
+            </a:r>
+            <a:r>
+              <a:rPr dirty="0"/>
+              <a:t>) </a:t>
+            </a:r>
+            <a:r>
+              <a:rPr dirty="0" err="1"/>
+              <a:t>así</a:t>
             </a:r>
             <a:r>
               <a:rPr dirty="0"/>
@@ -3385,7 +3461,7 @@
             </a:r>
             <a:r>
               <a:rPr dirty="0" err="1"/>
-              <a:t>han</a:t>
+              <a:t>como</a:t>
             </a:r>
             <a:r>
               <a:rPr dirty="0"/>
@@ -3393,7 +3469,7 @@
             </a:r>
             <a:r>
               <a:rPr dirty="0" err="1"/>
-              <a:t>adoptado</a:t>
+              <a:t>su</a:t>
             </a:r>
             <a:r>
               <a:rPr dirty="0"/>
@@ -3401,7 +3477,23 @@
             </a:r>
             <a:r>
               <a:rPr dirty="0" err="1"/>
-              <a:t>alguna</a:t>
+              <a:t>modelación</a:t>
+            </a:r>
+            <a:r>
+              <a:rPr dirty="0"/>
+              <a:t>. Por </a:t>
+            </a:r>
+            <a:r>
+              <a:rPr dirty="0" err="1"/>
+              <a:t>ejemplo</a:t>
+            </a:r>
+            <a:r>
+              <a:rPr dirty="0"/>
+              <a:t>, </a:t>
+            </a:r>
+            <a:r>
+              <a:rPr dirty="0" err="1"/>
+              <a:t>si</a:t>
             </a:r>
             <a:r>
               <a:rPr dirty="0"/>
@@ -3409,34 +3501,51 @@
             </a:r>
             <a:r>
               <a:rPr dirty="0" err="1"/>
-              <a:t>variante</a:t>
-            </a:r>
-            <a:r>
-              <a:rPr dirty="0"/>
-              <a:t> de SEM (</a:t>
-            </a:r>
-            <a:r>
-              <a:rPr dirty="0" err="1"/>
-              <a:t>medición</a:t>
-            </a:r>
-            <a:r>
-              <a:rPr dirty="0"/>
-              <a:t> o </a:t>
-            </a:r>
-            <a:r>
-              <a:rPr dirty="0" err="1"/>
-              <a:t>modelación</a:t>
-            </a:r>
-            <a:r>
-              <a:rPr dirty="0"/>
-              <a:t>).</a:t>
-            </a:r>
+              <a:t>queremos</a:t>
+            </a:r>
+            <a:r>
+              <a:rPr dirty="0"/>
+              <a:t> </a:t>
+            </a:r>
+            <a:r>
+              <a:rPr dirty="0" err="1"/>
+              <a:t>modelar</a:t>
+            </a:r>
+            <a:r>
+              <a:rPr dirty="0"/>
+              <a:t> los </a:t>
+            </a:r>
+            <a:r>
+              <a:rPr dirty="0" err="1"/>
+              <a:t>predictores</a:t>
+            </a:r>
+            <a:r>
+              <a:rPr dirty="0"/>
+              <a:t> de </a:t>
+            </a:r>
+            <a:r>
+              <a:rPr dirty="0" err="1"/>
+              <a:t>pobreza</a:t>
+            </a:r>
+            <a:endParaRPr dirty="0"/>
           </a:p>
           <a:p>
             <a:pPr lvl="1"/>
             <a:r>
-              <a:rPr dirty="0" err="1"/>
-              <a:t>Algunas</a:t>
+              <a:rPr dirty="0"/>
+              <a:t>Es </a:t>
+            </a:r>
+            <a:r>
+              <a:rPr dirty="0" err="1"/>
+              <a:t>posible</a:t>
+            </a:r>
+            <a:r>
+              <a:rPr dirty="0"/>
+              <a:t> saber </a:t>
+            </a:r>
+            <a:r>
+              <a:rPr dirty="0" err="1"/>
+              <a:t>si</a:t>
             </a:r>
             <a:r>
               <a:rPr dirty="0"/>
@@ -3444,15 +3553,7 @@
             </a:r>
             <a:r>
               <a:rPr dirty="0" err="1"/>
-              <a:t>revistas</a:t>
-            </a:r>
-            <a:r>
-              <a:rPr dirty="0"/>
-              <a:t> no </a:t>
-            </a:r>
-            <a:r>
-              <a:rPr dirty="0" err="1"/>
-              <a:t>te</a:t>
+              <a:t>pobreza</a:t>
             </a:r>
             <a:r>
               <a:rPr dirty="0"/>
@@ -3460,7 +3561,23 @@
             </a:r>
             <a:r>
               <a:rPr dirty="0" err="1"/>
-              <a:t>permiten</a:t>
+              <a:t>está</a:t>
+            </a:r>
+            <a:r>
+              <a:rPr dirty="0"/>
+              <a:t> bien </a:t>
+            </a:r>
+            <a:r>
+              <a:rPr dirty="0" err="1"/>
+              <a:t>medida</a:t>
+            </a:r>
+            <a:r>
+              <a:rPr dirty="0"/>
+              <a:t> o no (</a:t>
+            </a:r>
+            <a:r>
+              <a:rPr dirty="0" err="1"/>
+              <a:t>tiene</a:t>
             </a:r>
             <a:r>
               <a:rPr dirty="0"/>
@@ -3468,7 +3585,18 @@
             </a:r>
             <a:r>
               <a:rPr dirty="0" err="1"/>
-              <a:t>publicar</a:t>
+              <a:t>mucho</a:t>
+            </a:r>
+            <a:r>
+              <a:rPr dirty="0"/>
+              <a:t> error)</a:t>
+            </a:r>
+          </a:p>
+          <a:p>
+            <a:pPr lvl="1"/>
+            <a:r>
+              <a:rPr dirty="0" err="1"/>
+              <a:t>En</a:t>
             </a:r>
             <a:r>
               <a:rPr dirty="0"/>
@@ -3476,23 +3604,91 @@
             </a:r>
             <a:r>
               <a:rPr dirty="0" err="1"/>
-              <a:t>si</a:t>
-            </a:r>
-            <a:r>
-              <a:rPr dirty="0"/>
-              <a:t> no </a:t>
-            </a:r>
-            <a:r>
-              <a:rPr dirty="0" err="1"/>
-              <a:t>utilizar</a:t>
-            </a:r>
-            <a:r>
-              <a:rPr dirty="0"/>
-              <a:t> SE</a:t>
-            </a:r>
-            <a:r>
-              <a:rPr lang="en-GB" dirty="0"/>
-              <a:t>M</a:t>
+              <a:t>econometría</a:t>
+            </a:r>
+            <a:r>
+              <a:rPr dirty="0"/>
+              <a:t> </a:t>
+            </a:r>
+            <a:r>
+              <a:rPr dirty="0" err="1"/>
+              <a:t>muchas</a:t>
+            </a:r>
+            <a:r>
+              <a:rPr dirty="0"/>
+              <a:t> </a:t>
+            </a:r>
+            <a:r>
+              <a:rPr dirty="0" err="1"/>
+              <a:t>veces</a:t>
+            </a:r>
+            <a:r>
+              <a:rPr dirty="0"/>
+              <a:t> se </a:t>
+            </a:r>
+            <a:r>
+              <a:rPr dirty="0" err="1"/>
+              <a:t>parte</a:t>
+            </a:r>
+            <a:r>
+              <a:rPr dirty="0"/>
+              <a:t> del </a:t>
+            </a:r>
+            <a:r>
+              <a:rPr dirty="0" err="1"/>
+              <a:t>supuesto</a:t>
+            </a:r>
+            <a:r>
+              <a:rPr dirty="0"/>
+              <a:t> de que las variables </a:t>
+            </a:r>
+            <a:r>
+              <a:rPr dirty="0" err="1"/>
+              <a:t>están</a:t>
+            </a:r>
+            <a:r>
+              <a:rPr dirty="0"/>
+              <a:t> bien </a:t>
+            </a:r>
+            <a:r>
+              <a:rPr dirty="0" err="1"/>
+              <a:t>medidas</a:t>
+            </a:r>
+            <a:endParaRPr dirty="0"/>
+          </a:p>
+          <a:p>
+            <a:pPr lvl="1"/>
+            <a:r>
+              <a:rPr dirty="0"/>
+              <a:t>Tambien </a:t>
+            </a:r>
+            <a:r>
+              <a:rPr dirty="0" err="1"/>
+              <a:t>podemos</a:t>
+            </a:r>
+            <a:r>
+              <a:rPr dirty="0"/>
+              <a:t> </a:t>
+            </a:r>
+            <a:r>
+              <a:rPr dirty="0" err="1"/>
+              <a:t>tener</a:t>
+            </a:r>
+            <a:r>
+              <a:rPr dirty="0"/>
+              <a:t> </a:t>
+            </a:r>
+            <a:r>
+              <a:rPr dirty="0" err="1"/>
+              <a:t>diferentes</a:t>
+            </a:r>
+            <a:r>
+              <a:rPr dirty="0"/>
+              <a:t> </a:t>
+            </a:r>
+            <a:r>
+              <a:rPr dirty="0" err="1"/>
+              <a:t>estructuras</a:t>
             </a:r>
             <a:r>
               <a:rPr dirty="0"/>
@@ -3500,7 +3696,7 @@
             </a:r>
             <a:r>
               <a:rPr dirty="0" err="1"/>
-              <a:t>validar</a:t>
+              <a:t>su</a:t>
             </a:r>
             <a:r>
               <a:rPr dirty="0"/>
@@ -3508,7 +3704,15 @@
             </a:r>
             <a:r>
               <a:rPr dirty="0" err="1"/>
-              <a:t>tu</a:t>
+              <a:t>predicción</a:t>
+            </a:r>
+            <a:r>
+              <a:rPr dirty="0"/>
+              <a:t> (</a:t>
+            </a:r>
+            <a:r>
+              <a:rPr dirty="0" err="1"/>
+              <a:t>modelos</a:t>
             </a:r>
             <a:r>
               <a:rPr dirty="0"/>
@@ -3516,30 +3720,46 @@
             </a:r>
             <a:r>
               <a:rPr dirty="0" err="1"/>
-              <a:t>medida</a:t>
-            </a:r>
-            <a:r>
-              <a:rPr dirty="0"/>
-              <a:t>.</a:t>
+              <a:t>jerárquicos</a:t>
+            </a:r>
+            <a:r>
+              <a:rPr dirty="0"/>
+              <a:t>, con </a:t>
+            </a:r>
+            <a:r>
+              <a:rPr dirty="0" err="1"/>
+              <a:t>efectos</a:t>
+            </a:r>
+            <a:r>
+              <a:rPr dirty="0"/>
+              <a:t> </a:t>
+            </a:r>
+            <a:r>
+              <a:rPr dirty="0" err="1"/>
+              <a:t>indirectos</a:t>
+            </a:r>
+            <a:r>
+              <a:rPr dirty="0"/>
+              <a:t>, </a:t>
+            </a:r>
+            <a:r>
+              <a:rPr dirty="0" err="1"/>
+              <a:t>directos</a:t>
+            </a:r>
+            <a:r>
+              <a:rPr dirty="0"/>
+              <a:t>, etc.)</a:t>
             </a:r>
           </a:p>
           <a:p>
             <a:pPr lvl="1"/>
             <a:r>
               <a:rPr dirty="0"/>
-              <a:t>Los </a:t>
-            </a:r>
-            <a:r>
-              <a:rPr dirty="0" err="1"/>
-              <a:t>métodos</a:t>
-            </a:r>
-            <a:r>
-              <a:rPr dirty="0"/>
-              <a:t> de SEM son </a:t>
-            </a:r>
-            <a:r>
-              <a:rPr dirty="0" err="1"/>
-              <a:t>útiles</a:t>
+              <a:t>SEM es ideal para </a:t>
+            </a:r>
+            <a:r>
+              <a:rPr dirty="0" err="1"/>
+              <a:t>ciencias</a:t>
             </a:r>
             <a:r>
               <a:rPr dirty="0"/>
@@ -3547,7 +3767,7 @@
             </a:r>
             <a:r>
               <a:rPr dirty="0" err="1"/>
-              <a:t>en</a:t>
+              <a:t>sociales</a:t>
             </a:r>
             <a:r>
               <a:rPr dirty="0"/>
@@ -3555,7 +3775,7 @@
             </a:r>
             <a:r>
               <a:rPr dirty="0" err="1"/>
-              <a:t>distintas</a:t>
+              <a:t>porque</a:t>
             </a:r>
             <a:r>
               <a:rPr dirty="0"/>
@@ -3563,23 +3783,7 @@
             </a:r>
             <a:r>
               <a:rPr dirty="0" err="1"/>
-              <a:t>áreas</a:t>
-            </a:r>
-            <a:r>
-              <a:rPr dirty="0"/>
-              <a:t> y son tan </a:t>
-            </a:r>
-            <a:r>
-              <a:rPr dirty="0" err="1"/>
-              <a:t>novedosos</a:t>
-            </a:r>
-            <a:r>
-              <a:rPr dirty="0"/>
-              <a:t> que hay una </a:t>
-            </a:r>
-            <a:r>
-              <a:rPr dirty="0" err="1"/>
-              <a:t>demanda</a:t>
+              <a:t>generalmente</a:t>
             </a:r>
             <a:r>
               <a:rPr dirty="0"/>
@@ -3587,15 +3791,7 @@
             </a:r>
             <a:r>
               <a:rPr dirty="0" err="1"/>
-              <a:t>grande</a:t>
-            </a:r>
-            <a:r>
-              <a:rPr dirty="0"/>
-              <a:t> para la </a:t>
-            </a:r>
-            <a:r>
-              <a:rPr dirty="0" err="1"/>
-              <a:t>gente</a:t>
+              <a:t>trabajamos</a:t>
             </a:r>
             <a:r>
               <a:rPr dirty="0"/>
@@ -3603,38 +3799,43 @@
             </a:r>
             <a:r>
               <a:rPr dirty="0" err="1"/>
-              <a:t>capacidad</a:t>
-            </a:r>
-            <a:r>
-              <a:rPr dirty="0"/>
-              <a:t> de </a:t>
-            </a:r>
-            <a:r>
-              <a:rPr dirty="0" err="1"/>
-              <a:t>utilizarla</a:t>
-            </a:r>
-            <a:endParaRPr dirty="0"/>
-          </a:p>
-          <a:p>
-            <a:pPr lvl="1"/>
-            <a:r>
-              <a:rPr dirty="0" err="1"/>
-              <a:t>Citas</a:t>
-            </a:r>
-            <a:r>
-              <a:rPr dirty="0"/>
-              <a:t> Wooldridge (2015): 17,900</a:t>
-            </a:r>
-          </a:p>
-          <a:p>
-            <a:pPr lvl="1"/>
-            <a:r>
-              <a:rPr dirty="0" err="1"/>
-              <a:t>Citas</a:t>
-            </a:r>
-            <a:r>
-              <a:rPr dirty="0"/>
-              <a:t> Byrne (2013) MPLUS y SEM: 23,900</a:t>
+              <a:t>conceptos</a:t>
+            </a:r>
+            <a:r>
+              <a:rPr dirty="0"/>
+              <a:t>/</a:t>
+            </a:r>
+            <a:r>
+              <a:rPr dirty="0" err="1"/>
+              <a:t>abstracciones</a:t>
+            </a:r>
+            <a:r>
+              <a:rPr dirty="0"/>
+              <a:t>. Es </a:t>
+            </a:r>
+            <a:r>
+              <a:rPr dirty="0" err="1"/>
+              <a:t>decir</a:t>
+            </a:r>
+            <a:r>
+              <a:rPr dirty="0"/>
+              <a:t>, con </a:t>
+            </a:r>
+            <a:r>
+              <a:rPr dirty="0" err="1"/>
+              <a:t>fenómenos</a:t>
+            </a:r>
+            <a:r>
+              <a:rPr dirty="0"/>
+              <a:t> que no son </a:t>
+            </a:r>
+            <a:r>
+              <a:rPr dirty="0" err="1"/>
+              <a:t>directamente</a:t>
+            </a:r>
+            <a:r>
+              <a:rPr dirty="0"/>
+              <a:t> observables.</a:t>
             </a:r>
           </a:p>
         </p:txBody>
@@ -3955,6 +4156,1053 @@
           <a:lstStyle/>
           <a:p>
             <a:r>
+              <a:t>Ecuaciones estructurales (SEM)</a:t>
+            </a:r>
+          </a:p>
+        </p:txBody>
+      </p:sp>
+      <p:sp>
+        <p:nvSpPr>
+          <p:cNvPr id="3" name="Content Placeholder 2"/>
+          <p:cNvSpPr>
+            <a:spLocks noGrp="1"/>
+          </p:cNvSpPr>
+          <p:nvPr>
+            <p:ph idx="1"/>
+          </p:nvPr>
+        </p:nvSpPr>
+        <p:spPr/>
+        <p:txBody>
+          <a:bodyPr/>
+          <a:lstStyle/>
+          <a:p>
+            <a:pPr lvl="1"/>
+            <a:r>
+              <a:rPr dirty="0"/>
+              <a:t>Las </a:t>
+            </a:r>
+            <a:r>
+              <a:rPr dirty="0" err="1"/>
+              <a:t>revistas</a:t>
+            </a:r>
+            <a:r>
+              <a:rPr dirty="0"/>
+              <a:t> </a:t>
+            </a:r>
+            <a:r>
+              <a:rPr dirty="0" err="1"/>
+              <a:t>científicas</a:t>
+            </a:r>
+            <a:r>
+              <a:rPr dirty="0"/>
+              <a:t> </a:t>
+            </a:r>
+            <a:r>
+              <a:rPr dirty="0" err="1"/>
+              <a:t>han</a:t>
+            </a:r>
+            <a:r>
+              <a:rPr dirty="0"/>
+              <a:t> </a:t>
+            </a:r>
+            <a:r>
+              <a:rPr dirty="0" err="1"/>
+              <a:t>adoptado</a:t>
+            </a:r>
+            <a:r>
+              <a:rPr dirty="0"/>
+              <a:t> </a:t>
+            </a:r>
+            <a:r>
+              <a:rPr dirty="0" err="1"/>
+              <a:t>alguna</a:t>
+            </a:r>
+            <a:r>
+              <a:rPr dirty="0"/>
+              <a:t> </a:t>
+            </a:r>
+            <a:r>
+              <a:rPr dirty="0" err="1"/>
+              <a:t>variante</a:t>
+            </a:r>
+            <a:r>
+              <a:rPr dirty="0"/>
+              <a:t> de SEM (</a:t>
+            </a:r>
+            <a:r>
+              <a:rPr dirty="0" err="1"/>
+              <a:t>medición</a:t>
+            </a:r>
+            <a:r>
+              <a:rPr dirty="0"/>
+              <a:t> o </a:t>
+            </a:r>
+            <a:r>
+              <a:rPr dirty="0" err="1"/>
+              <a:t>modelación</a:t>
+            </a:r>
+            <a:r>
+              <a:rPr dirty="0"/>
+              <a:t>).</a:t>
+            </a:r>
+          </a:p>
+          <a:p>
+            <a:pPr lvl="1"/>
+            <a:r>
+              <a:rPr dirty="0" err="1"/>
+              <a:t>Algunas</a:t>
+            </a:r>
+            <a:r>
+              <a:rPr dirty="0"/>
+              <a:t> </a:t>
+            </a:r>
+            <a:r>
+              <a:rPr dirty="0" err="1"/>
+              <a:t>revistas</a:t>
+            </a:r>
+            <a:r>
+              <a:rPr dirty="0"/>
+              <a:t> no </a:t>
+            </a:r>
+            <a:r>
+              <a:rPr dirty="0" err="1"/>
+              <a:t>te</a:t>
+            </a:r>
+            <a:r>
+              <a:rPr dirty="0"/>
+              <a:t> </a:t>
+            </a:r>
+            <a:r>
+              <a:rPr dirty="0" err="1"/>
+              <a:t>permiten</a:t>
+            </a:r>
+            <a:r>
+              <a:rPr dirty="0"/>
+              <a:t> </a:t>
+            </a:r>
+            <a:r>
+              <a:rPr dirty="0" err="1"/>
+              <a:t>publicar</a:t>
+            </a:r>
+            <a:r>
+              <a:rPr dirty="0"/>
+              <a:t> </a:t>
+            </a:r>
+            <a:r>
+              <a:rPr dirty="0" err="1"/>
+              <a:t>si</a:t>
+            </a:r>
+            <a:r>
+              <a:rPr dirty="0"/>
+              <a:t> no </a:t>
+            </a:r>
+            <a:r>
+              <a:rPr dirty="0" err="1"/>
+              <a:t>utilizar</a:t>
+            </a:r>
+            <a:r>
+              <a:rPr dirty="0"/>
+              <a:t> SE</a:t>
+            </a:r>
+            <a:r>
+              <a:rPr lang="en-GB" dirty="0"/>
+              <a:t>M</a:t>
+            </a:r>
+            <a:r>
+              <a:rPr dirty="0"/>
+              <a:t> para </a:t>
+            </a:r>
+            <a:r>
+              <a:rPr dirty="0" err="1"/>
+              <a:t>validar</a:t>
+            </a:r>
+            <a:r>
+              <a:rPr dirty="0"/>
+              <a:t> </a:t>
+            </a:r>
+            <a:r>
+              <a:rPr dirty="0" err="1"/>
+              <a:t>tu</a:t>
+            </a:r>
+            <a:r>
+              <a:rPr dirty="0"/>
+              <a:t> </a:t>
+            </a:r>
+            <a:r>
+              <a:rPr dirty="0" err="1"/>
+              <a:t>medida</a:t>
+            </a:r>
+            <a:r>
+              <a:rPr dirty="0"/>
+              <a:t>.</a:t>
+            </a:r>
+          </a:p>
+          <a:p>
+            <a:pPr lvl="1"/>
+            <a:r>
+              <a:rPr dirty="0"/>
+              <a:t>Los </a:t>
+            </a:r>
+            <a:r>
+              <a:rPr dirty="0" err="1"/>
+              <a:t>métodos</a:t>
+            </a:r>
+            <a:r>
+              <a:rPr dirty="0"/>
+              <a:t> de SEM son </a:t>
+            </a:r>
+            <a:r>
+              <a:rPr dirty="0" err="1"/>
+              <a:t>útiles</a:t>
+            </a:r>
+            <a:r>
+              <a:rPr dirty="0"/>
+              <a:t> </a:t>
+            </a:r>
+            <a:r>
+              <a:rPr dirty="0" err="1"/>
+              <a:t>en</a:t>
+            </a:r>
+            <a:r>
+              <a:rPr dirty="0"/>
+              <a:t> </a:t>
+            </a:r>
+            <a:r>
+              <a:rPr dirty="0" err="1"/>
+              <a:t>distintas</a:t>
+            </a:r>
+            <a:r>
+              <a:rPr dirty="0"/>
+              <a:t> </a:t>
+            </a:r>
+            <a:r>
+              <a:rPr dirty="0" err="1"/>
+              <a:t>áreas</a:t>
+            </a:r>
+            <a:r>
+              <a:rPr dirty="0"/>
+              <a:t> y son tan </a:t>
+            </a:r>
+            <a:r>
+              <a:rPr dirty="0" err="1"/>
+              <a:t>novedosos</a:t>
+            </a:r>
+            <a:r>
+              <a:rPr dirty="0"/>
+              <a:t> que hay una </a:t>
+            </a:r>
+            <a:r>
+              <a:rPr dirty="0" err="1"/>
+              <a:t>demanda</a:t>
+            </a:r>
+            <a:r>
+              <a:rPr dirty="0"/>
+              <a:t> </a:t>
+            </a:r>
+            <a:r>
+              <a:rPr dirty="0" err="1"/>
+              <a:t>grande</a:t>
+            </a:r>
+            <a:r>
+              <a:rPr dirty="0"/>
+              <a:t> para la </a:t>
+            </a:r>
+            <a:r>
+              <a:rPr dirty="0" err="1"/>
+              <a:t>gente</a:t>
+            </a:r>
+            <a:r>
+              <a:rPr dirty="0"/>
+              <a:t> con </a:t>
+            </a:r>
+            <a:r>
+              <a:rPr dirty="0" err="1"/>
+              <a:t>capacidad</a:t>
+            </a:r>
+            <a:r>
+              <a:rPr dirty="0"/>
+              <a:t> de </a:t>
+            </a:r>
+            <a:r>
+              <a:rPr dirty="0" err="1"/>
+              <a:t>utilizarla</a:t>
+            </a:r>
+            <a:endParaRPr dirty="0"/>
+          </a:p>
+          <a:p>
+            <a:pPr lvl="1"/>
+            <a:r>
+              <a:rPr dirty="0" err="1"/>
+              <a:t>Citas</a:t>
+            </a:r>
+            <a:r>
+              <a:rPr dirty="0"/>
+              <a:t> Wooldridge (2015): 17,900</a:t>
+            </a:r>
+          </a:p>
+          <a:p>
+            <a:pPr lvl="1"/>
+            <a:r>
+              <a:rPr dirty="0" err="1"/>
+              <a:t>Citas</a:t>
+            </a:r>
+            <a:r>
+              <a:rPr dirty="0"/>
+              <a:t> Byrne (2013) MPLUS y SEM: 23,900</a:t>
+            </a:r>
+          </a:p>
+        </p:txBody>
+      </p:sp>
+    </p:spTree>
+  </p:cSld>
+  <p:clrMapOvr>
+    <a:masterClrMapping/>
+  </p:clrMapOvr>
+  <p:timing>
+    <p:tnLst>
+      <p:par>
+        <p:cTn id="1" dur="indefinite" restart="never" nodeType="tmRoot">
+          <p:childTnLst>
+            <p:seq concurrent="1" nextAc="seek">
+              <p:cTn id="2" dur="indefinite" nodeType="mainSeq">
+                <p:childTnLst>
+                  <p:par>
+                    <p:cTn id="3" fill="hold">
+                      <p:stCondLst>
+                        <p:cond delay="indefinite"/>
+                      </p:stCondLst>
+                      <p:childTnLst>
+                        <p:par>
+                          <p:cTn id="4" fill="hold">
+                            <p:stCondLst>
+                              <p:cond delay="0"/>
+                            </p:stCondLst>
+                            <p:childTnLst>
+                              <p:par>
+                                <p:cTn id="5" presetID="1" presetClass="entr" presetSubtype="0" fill="hold" nodeType="clickEffect">
+                                  <p:stCondLst>
+                                    <p:cond delay="0"/>
+                                  </p:stCondLst>
+                                  <p:childTnLst>
+                                    <p:set>
+                                      <p:cBhvr>
+                                        <p:cTn id="6" dur="1" fill="hold">
+                                          <p:stCondLst>
+                                            <p:cond delay="0"/>
+                                          </p:stCondLst>
+                                        </p:cTn>
+                                        <p:tgtEl>
+                                          <p:spTgt spid="3">
+                                            <p:txEl>
+                                              <p:pRg st="0" end="0"/>
+                                            </p:txEl>
+                                          </p:spTgt>
+                                        </p:tgtEl>
+                                        <p:attrNameLst>
+                                          <p:attrName>style.visibility</p:attrName>
+                                        </p:attrNameLst>
+                                      </p:cBhvr>
+                                      <p:to>
+                                        <p:strVal val="visible"/>
+                                      </p:to>
+                                    </p:set>
+                                  </p:childTnLst>
+                                </p:cTn>
+                              </p:par>
+                            </p:childTnLst>
+                          </p:cTn>
+                        </p:par>
+                      </p:childTnLst>
+                    </p:cTn>
+                  </p:par>
+                  <p:par>
+                    <p:cTn id="7" fill="hold">
+                      <p:stCondLst>
+                        <p:cond delay="indefinite"/>
+                      </p:stCondLst>
+                      <p:childTnLst>
+                        <p:par>
+                          <p:cTn id="8" fill="hold">
+                            <p:stCondLst>
+                              <p:cond delay="0"/>
+                            </p:stCondLst>
+                            <p:childTnLst>
+                              <p:par>
+                                <p:cTn id="9" presetID="1" presetClass="entr" presetSubtype="0" fill="hold" nodeType="clickEffect">
+                                  <p:stCondLst>
+                                    <p:cond delay="0"/>
+                                  </p:stCondLst>
+                                  <p:childTnLst>
+                                    <p:set>
+                                      <p:cBhvr>
+                                        <p:cTn id="10" dur="1" fill="hold">
+                                          <p:stCondLst>
+                                            <p:cond delay="0"/>
+                                          </p:stCondLst>
+                                        </p:cTn>
+                                        <p:tgtEl>
+                                          <p:spTgt spid="3">
+                                            <p:txEl>
+                                              <p:pRg st="1" end="1"/>
+                                            </p:txEl>
+                                          </p:spTgt>
+                                        </p:tgtEl>
+                                        <p:attrNameLst>
+                                          <p:attrName>style.visibility</p:attrName>
+                                        </p:attrNameLst>
+                                      </p:cBhvr>
+                                      <p:to>
+                                        <p:strVal val="visible"/>
+                                      </p:to>
+                                    </p:set>
+                                  </p:childTnLst>
+                                </p:cTn>
+                              </p:par>
+                            </p:childTnLst>
+                          </p:cTn>
+                        </p:par>
+                      </p:childTnLst>
+                    </p:cTn>
+                  </p:par>
+                  <p:par>
+                    <p:cTn id="11" fill="hold">
+                      <p:stCondLst>
+                        <p:cond delay="indefinite"/>
+                      </p:stCondLst>
+                      <p:childTnLst>
+                        <p:par>
+                          <p:cTn id="12" fill="hold">
+                            <p:stCondLst>
+                              <p:cond delay="0"/>
+                            </p:stCondLst>
+                            <p:childTnLst>
+                              <p:par>
+                                <p:cTn id="13" presetID="1" presetClass="entr" presetSubtype="0" fill="hold" nodeType="clickEffect">
+                                  <p:stCondLst>
+                                    <p:cond delay="0"/>
+                                  </p:stCondLst>
+                                  <p:childTnLst>
+                                    <p:set>
+                                      <p:cBhvr>
+                                        <p:cTn id="14" dur="1" fill="hold">
+                                          <p:stCondLst>
+                                            <p:cond delay="0"/>
+                                          </p:stCondLst>
+                                        </p:cTn>
+                                        <p:tgtEl>
+                                          <p:spTgt spid="3">
+                                            <p:txEl>
+                                              <p:pRg st="2" end="2"/>
+                                            </p:txEl>
+                                          </p:spTgt>
+                                        </p:tgtEl>
+                                        <p:attrNameLst>
+                                          <p:attrName>style.visibility</p:attrName>
+                                        </p:attrNameLst>
+                                      </p:cBhvr>
+                                      <p:to>
+                                        <p:strVal val="visible"/>
+                                      </p:to>
+                                    </p:set>
+                                  </p:childTnLst>
+                                </p:cTn>
+                              </p:par>
+                            </p:childTnLst>
+                          </p:cTn>
+                        </p:par>
+                      </p:childTnLst>
+                    </p:cTn>
+                  </p:par>
+                  <p:par>
+                    <p:cTn id="15" fill="hold">
+                      <p:stCondLst>
+                        <p:cond delay="indefinite"/>
+                      </p:stCondLst>
+                      <p:childTnLst>
+                        <p:par>
+                          <p:cTn id="16" fill="hold">
+                            <p:stCondLst>
+                              <p:cond delay="0"/>
+                            </p:stCondLst>
+                            <p:childTnLst>
+                              <p:par>
+                                <p:cTn id="17" presetID="1" presetClass="entr" presetSubtype="0" fill="hold" nodeType="clickEffect">
+                                  <p:stCondLst>
+                                    <p:cond delay="0"/>
+                                  </p:stCondLst>
+                                  <p:childTnLst>
+                                    <p:set>
+                                      <p:cBhvr>
+                                        <p:cTn id="18" dur="1" fill="hold">
+                                          <p:stCondLst>
+                                            <p:cond delay="0"/>
+                                          </p:stCondLst>
+                                        </p:cTn>
+                                        <p:tgtEl>
+                                          <p:spTgt spid="3">
+                                            <p:txEl>
+                                              <p:pRg st="3" end="3"/>
+                                            </p:txEl>
+                                          </p:spTgt>
+                                        </p:tgtEl>
+                                        <p:attrNameLst>
+                                          <p:attrName>style.visibility</p:attrName>
+                                        </p:attrNameLst>
+                                      </p:cBhvr>
+                                      <p:to>
+                                        <p:strVal val="visible"/>
+                                      </p:to>
+                                    </p:set>
+                                  </p:childTnLst>
+                                </p:cTn>
+                              </p:par>
+                            </p:childTnLst>
+                          </p:cTn>
+                        </p:par>
+                      </p:childTnLst>
+                    </p:cTn>
+                  </p:par>
+                  <p:par>
+                    <p:cTn id="19" fill="hold">
+                      <p:stCondLst>
+                        <p:cond delay="indefinite"/>
+                      </p:stCondLst>
+                      <p:childTnLst>
+                        <p:par>
+                          <p:cTn id="20" fill="hold">
+                            <p:stCondLst>
+                              <p:cond delay="0"/>
+                            </p:stCondLst>
+                            <p:childTnLst>
+                              <p:par>
+                                <p:cTn id="21" presetID="1" presetClass="entr" presetSubtype="0" fill="hold" nodeType="clickEffect">
+                                  <p:stCondLst>
+                                    <p:cond delay="0"/>
+                                  </p:stCondLst>
+                                  <p:childTnLst>
+                                    <p:set>
+                                      <p:cBhvr>
+                                        <p:cTn id="22" dur="1" fill="hold">
+                                          <p:stCondLst>
+                                            <p:cond delay="0"/>
+                                          </p:stCondLst>
+                                        </p:cTn>
+                                        <p:tgtEl>
+                                          <p:spTgt spid="3">
+                                            <p:txEl>
+                                              <p:pRg st="4" end="4"/>
+                                            </p:txEl>
+                                          </p:spTgt>
+                                        </p:tgtEl>
+                                        <p:attrNameLst>
+                                          <p:attrName>style.visibility</p:attrName>
+                                        </p:attrNameLst>
+                                      </p:cBhvr>
+                                      <p:to>
+                                        <p:strVal val="visible"/>
+                                      </p:to>
+                                    </p:set>
+                                  </p:childTnLst>
+                                </p:cTn>
+                              </p:par>
+                            </p:childTnLst>
+                          </p:cTn>
+                        </p:par>
+                      </p:childTnLst>
+                    </p:cTn>
+                  </p:par>
+                </p:childTnLst>
+              </p:cTn>
+              <p:prevCondLst>
+                <p:cond evt="onPrev" delay="0">
+                  <p:tgtEl>
+                    <p:sldTgt/>
+                  </p:tgtEl>
+                </p:cond>
+              </p:prevCondLst>
+              <p:nextCondLst>
+                <p:cond evt="onNext" delay="0">
+                  <p:tgtEl>
+                    <p:sldTgt/>
+                  </p:tgtEl>
+                </p:cond>
+              </p:nextCondLst>
+            </p:seq>
+          </p:childTnLst>
+        </p:cTn>
+      </p:par>
+    </p:tnLst>
+  </p:timing>
+</p:sld>
+</file>
+
+<file path=ppt/slides/slide12.xml><?xml version="1.0" encoding="utf-8"?>
+<p:sld xmlns:a="http://schemas.openxmlformats.org/drawingml/2006/main" xmlns:r="http://schemas.openxmlformats.org/officeDocument/2006/relationships" xmlns:p="http://schemas.openxmlformats.org/presentationml/2006/main">
+  <p:cSld>
+    <p:spTree>
+      <p:nvGrpSpPr>
+        <p:cNvPr id="1" name=""/>
+        <p:cNvGrpSpPr/>
+        <p:nvPr/>
+      </p:nvGrpSpPr>
+      <p:grpSpPr>
+        <a:xfrm>
+          <a:off x="0" y="0"/>
+          <a:ext cx="0" cy="0"/>
+          <a:chOff x="0" y="0"/>
+          <a:chExt cx="0" cy="0"/>
+        </a:xfrm>
+      </p:grpSpPr>
+      <p:sp>
+        <p:nvSpPr>
+          <p:cNvPr id="2" name="Title 1">
+            <a:extLst>
+              <a:ext uri="{FF2B5EF4-FFF2-40B4-BE49-F238E27FC236}">
+                <a16:creationId xmlns:a16="http://schemas.microsoft.com/office/drawing/2014/main" id="{3B99964B-0F3A-42F8-875A-D92E54C5D4A9}"/>
+              </a:ext>
+            </a:extLst>
+          </p:cNvPr>
+          <p:cNvSpPr>
+            <a:spLocks noGrp="1"/>
+          </p:cNvSpPr>
+          <p:nvPr>
+            <p:ph type="title"/>
+          </p:nvPr>
+        </p:nvSpPr>
+        <p:spPr/>
+        <p:txBody>
+          <a:bodyPr/>
+          <a:lstStyle/>
+          <a:p>
+            <a:r>
+              <a:rPr lang="es-MX" dirty="0"/>
+              <a:t>Temario (General)</a:t>
+            </a:r>
+          </a:p>
+        </p:txBody>
+      </p:sp>
+      <p:sp>
+        <p:nvSpPr>
+          <p:cNvPr id="3" name="Content Placeholder 2">
+            <a:extLst>
+              <a:ext uri="{FF2B5EF4-FFF2-40B4-BE49-F238E27FC236}">
+                <a16:creationId xmlns:a16="http://schemas.microsoft.com/office/drawing/2014/main" id="{4B988DCE-F7B8-4B35-8480-D182A8932E4C}"/>
+              </a:ext>
+            </a:extLst>
+          </p:cNvPr>
+          <p:cNvSpPr>
+            <a:spLocks noGrp="1"/>
+          </p:cNvSpPr>
+          <p:nvPr>
+            <p:ph idx="1"/>
+          </p:nvPr>
+        </p:nvSpPr>
+        <p:spPr/>
+        <p:txBody>
+          <a:bodyPr>
+            <a:normAutofit/>
+          </a:bodyPr>
+          <a:lstStyle/>
+          <a:p>
+            <a:r>
+              <a:rPr lang="es-MX" sz="2800" dirty="0"/>
+              <a:t>Medición, error e </a:t>
+            </a:r>
+            <a:r>
+              <a:rPr lang="es-MX" sz="2800" dirty="0" err="1"/>
+              <a:t>irreplicabilidad</a:t>
+            </a:r>
+            <a:r>
+              <a:rPr lang="es-MX" sz="2800" dirty="0"/>
+              <a:t> en ciencias sociales</a:t>
+            </a:r>
+          </a:p>
+          <a:p>
+            <a:r>
+              <a:rPr lang="es-MX" sz="2800" dirty="0"/>
+              <a:t>Teoría de la medida y sus principios</a:t>
+            </a:r>
+          </a:p>
+          <a:p>
+            <a:r>
+              <a:rPr lang="es-MX" sz="2800" dirty="0"/>
+              <a:t>Confiabilidad (clásica y variables latentes)</a:t>
+            </a:r>
+          </a:p>
+          <a:p>
+            <a:pPr lvl="1"/>
+            <a:r>
+              <a:rPr lang="es-MX" sz="2800" dirty="0"/>
+              <a:t>Introducción a modelos de medición con SEM</a:t>
+            </a:r>
+          </a:p>
+          <a:p>
+            <a:r>
+              <a:rPr lang="es-MX" sz="2800" dirty="0"/>
+              <a:t>Validez (teoría y métodos)</a:t>
+            </a:r>
+          </a:p>
+          <a:p>
+            <a:pPr lvl="1"/>
+            <a:r>
+              <a:rPr lang="es-MX" sz="2800" dirty="0"/>
+              <a:t>Análisis de validez con SEM</a:t>
+            </a:r>
+          </a:p>
+        </p:txBody>
+      </p:sp>
+    </p:spTree>
+    <p:extLst>
+      <p:ext uri="{BB962C8B-B14F-4D97-AF65-F5344CB8AC3E}">
+        <p14:creationId xmlns:p14="http://schemas.microsoft.com/office/powerpoint/2010/main" val="3958135138"/>
+      </p:ext>
+    </p:extLst>
+  </p:cSld>
+  <p:clrMapOvr>
+    <a:masterClrMapping/>
+  </p:clrMapOvr>
+  <p:timing>
+    <p:tnLst>
+      <p:par>
+        <p:cTn id="1" dur="indefinite" restart="never" nodeType="tmRoot">
+          <p:childTnLst>
+            <p:seq concurrent="1" nextAc="seek">
+              <p:cTn id="2" dur="indefinite" nodeType="mainSeq">
+                <p:childTnLst>
+                  <p:par>
+                    <p:cTn id="3" fill="hold">
+                      <p:stCondLst>
+                        <p:cond delay="indefinite"/>
+                      </p:stCondLst>
+                      <p:childTnLst>
+                        <p:par>
+                          <p:cTn id="4" fill="hold">
+                            <p:stCondLst>
+                              <p:cond delay="0"/>
+                            </p:stCondLst>
+                            <p:childTnLst>
+                              <p:par>
+                                <p:cTn id="5" presetID="1" presetClass="entr" presetSubtype="0" fill="hold" nodeType="clickEffect">
+                                  <p:stCondLst>
+                                    <p:cond delay="0"/>
+                                  </p:stCondLst>
+                                  <p:childTnLst>
+                                    <p:set>
+                                      <p:cBhvr>
+                                        <p:cTn id="6" dur="1" fill="hold">
+                                          <p:stCondLst>
+                                            <p:cond delay="0"/>
+                                          </p:stCondLst>
+                                        </p:cTn>
+                                        <p:tgtEl>
+                                          <p:spTgt spid="3">
+                                            <p:txEl>
+                                              <p:pRg st="0" end="0"/>
+                                            </p:txEl>
+                                          </p:spTgt>
+                                        </p:tgtEl>
+                                        <p:attrNameLst>
+                                          <p:attrName>style.visibility</p:attrName>
+                                        </p:attrNameLst>
+                                      </p:cBhvr>
+                                      <p:to>
+                                        <p:strVal val="visible"/>
+                                      </p:to>
+                                    </p:set>
+                                  </p:childTnLst>
+                                </p:cTn>
+                              </p:par>
+                            </p:childTnLst>
+                          </p:cTn>
+                        </p:par>
+                      </p:childTnLst>
+                    </p:cTn>
+                  </p:par>
+                  <p:par>
+                    <p:cTn id="7" fill="hold">
+                      <p:stCondLst>
+                        <p:cond delay="indefinite"/>
+                      </p:stCondLst>
+                      <p:childTnLst>
+                        <p:par>
+                          <p:cTn id="8" fill="hold">
+                            <p:stCondLst>
+                              <p:cond delay="0"/>
+                            </p:stCondLst>
+                            <p:childTnLst>
+                              <p:par>
+                                <p:cTn id="9" presetID="1" presetClass="entr" presetSubtype="0" fill="hold" nodeType="clickEffect">
+                                  <p:stCondLst>
+                                    <p:cond delay="0"/>
+                                  </p:stCondLst>
+                                  <p:childTnLst>
+                                    <p:set>
+                                      <p:cBhvr>
+                                        <p:cTn id="10" dur="1" fill="hold">
+                                          <p:stCondLst>
+                                            <p:cond delay="0"/>
+                                          </p:stCondLst>
+                                        </p:cTn>
+                                        <p:tgtEl>
+                                          <p:spTgt spid="3">
+                                            <p:txEl>
+                                              <p:pRg st="1" end="1"/>
+                                            </p:txEl>
+                                          </p:spTgt>
+                                        </p:tgtEl>
+                                        <p:attrNameLst>
+                                          <p:attrName>style.visibility</p:attrName>
+                                        </p:attrNameLst>
+                                      </p:cBhvr>
+                                      <p:to>
+                                        <p:strVal val="visible"/>
+                                      </p:to>
+                                    </p:set>
+                                  </p:childTnLst>
+                                </p:cTn>
+                              </p:par>
+                            </p:childTnLst>
+                          </p:cTn>
+                        </p:par>
+                      </p:childTnLst>
+                    </p:cTn>
+                  </p:par>
+                  <p:par>
+                    <p:cTn id="11" fill="hold">
+                      <p:stCondLst>
+                        <p:cond delay="indefinite"/>
+                      </p:stCondLst>
+                      <p:childTnLst>
+                        <p:par>
+                          <p:cTn id="12" fill="hold">
+                            <p:stCondLst>
+                              <p:cond delay="0"/>
+                            </p:stCondLst>
+                            <p:childTnLst>
+                              <p:par>
+                                <p:cTn id="13" presetID="1" presetClass="entr" presetSubtype="0" fill="hold" nodeType="clickEffect">
+                                  <p:stCondLst>
+                                    <p:cond delay="0"/>
+                                  </p:stCondLst>
+                                  <p:childTnLst>
+                                    <p:set>
+                                      <p:cBhvr>
+                                        <p:cTn id="14" dur="1" fill="hold">
+                                          <p:stCondLst>
+                                            <p:cond delay="0"/>
+                                          </p:stCondLst>
+                                        </p:cTn>
+                                        <p:tgtEl>
+                                          <p:spTgt spid="3">
+                                            <p:txEl>
+                                              <p:pRg st="2" end="2"/>
+                                            </p:txEl>
+                                          </p:spTgt>
+                                        </p:tgtEl>
+                                        <p:attrNameLst>
+                                          <p:attrName>style.visibility</p:attrName>
+                                        </p:attrNameLst>
+                                      </p:cBhvr>
+                                      <p:to>
+                                        <p:strVal val="visible"/>
+                                      </p:to>
+                                    </p:set>
+                                  </p:childTnLst>
+                                </p:cTn>
+                              </p:par>
+                            </p:childTnLst>
+                          </p:cTn>
+                        </p:par>
+                      </p:childTnLst>
+                    </p:cTn>
+                  </p:par>
+                  <p:par>
+                    <p:cTn id="15" fill="hold">
+                      <p:stCondLst>
+                        <p:cond delay="indefinite"/>
+                      </p:stCondLst>
+                      <p:childTnLst>
+                        <p:par>
+                          <p:cTn id="16" fill="hold">
+                            <p:stCondLst>
+                              <p:cond delay="0"/>
+                            </p:stCondLst>
+                            <p:childTnLst>
+                              <p:par>
+                                <p:cTn id="17" presetID="1" presetClass="entr" presetSubtype="0" fill="hold" nodeType="clickEffect">
+                                  <p:stCondLst>
+                                    <p:cond delay="0"/>
+                                  </p:stCondLst>
+                                  <p:childTnLst>
+                                    <p:set>
+                                      <p:cBhvr>
+                                        <p:cTn id="18" dur="1" fill="hold">
+                                          <p:stCondLst>
+                                            <p:cond delay="0"/>
+                                          </p:stCondLst>
+                                        </p:cTn>
+                                        <p:tgtEl>
+                                          <p:spTgt spid="3">
+                                            <p:txEl>
+                                              <p:pRg st="3" end="3"/>
+                                            </p:txEl>
+                                          </p:spTgt>
+                                        </p:tgtEl>
+                                        <p:attrNameLst>
+                                          <p:attrName>style.visibility</p:attrName>
+                                        </p:attrNameLst>
+                                      </p:cBhvr>
+                                      <p:to>
+                                        <p:strVal val="visible"/>
+                                      </p:to>
+                                    </p:set>
+                                  </p:childTnLst>
+                                </p:cTn>
+                              </p:par>
+                            </p:childTnLst>
+                          </p:cTn>
+                        </p:par>
+                      </p:childTnLst>
+                    </p:cTn>
+                  </p:par>
+                  <p:par>
+                    <p:cTn id="19" fill="hold">
+                      <p:stCondLst>
+                        <p:cond delay="indefinite"/>
+                      </p:stCondLst>
+                      <p:childTnLst>
+                        <p:par>
+                          <p:cTn id="20" fill="hold">
+                            <p:stCondLst>
+                              <p:cond delay="0"/>
+                            </p:stCondLst>
+                            <p:childTnLst>
+                              <p:par>
+                                <p:cTn id="21" presetID="1" presetClass="entr" presetSubtype="0" fill="hold" nodeType="clickEffect">
+                                  <p:stCondLst>
+                                    <p:cond delay="0"/>
+                                  </p:stCondLst>
+                                  <p:childTnLst>
+                                    <p:set>
+                                      <p:cBhvr>
+                                        <p:cTn id="22" dur="1" fill="hold">
+                                          <p:stCondLst>
+                                            <p:cond delay="0"/>
+                                          </p:stCondLst>
+                                        </p:cTn>
+                                        <p:tgtEl>
+                                          <p:spTgt spid="3">
+                                            <p:txEl>
+                                              <p:pRg st="4" end="4"/>
+                                            </p:txEl>
+                                          </p:spTgt>
+                                        </p:tgtEl>
+                                        <p:attrNameLst>
+                                          <p:attrName>style.visibility</p:attrName>
+                                        </p:attrNameLst>
+                                      </p:cBhvr>
+                                      <p:to>
+                                        <p:strVal val="visible"/>
+                                      </p:to>
+                                    </p:set>
+                                  </p:childTnLst>
+                                </p:cTn>
+                              </p:par>
+                              <p:par>
+                                <p:cTn id="23" presetID="1" presetClass="entr" presetSubtype="0" fill="hold" nodeType="withEffect">
+                                  <p:stCondLst>
+                                    <p:cond delay="0"/>
+                                  </p:stCondLst>
+                                  <p:childTnLst>
+                                    <p:set>
+                                      <p:cBhvr>
+                                        <p:cTn id="24" dur="1" fill="hold">
+                                          <p:stCondLst>
+                                            <p:cond delay="0"/>
+                                          </p:stCondLst>
+                                        </p:cTn>
+                                        <p:tgtEl>
+                                          <p:spTgt spid="3">
+                                            <p:txEl>
+                                              <p:pRg st="5" end="5"/>
+                                            </p:txEl>
+                                          </p:spTgt>
+                                        </p:tgtEl>
+                                        <p:attrNameLst>
+                                          <p:attrName>style.visibility</p:attrName>
+                                        </p:attrNameLst>
+                                      </p:cBhvr>
+                                      <p:to>
+                                        <p:strVal val="visible"/>
+                                      </p:to>
+                                    </p:set>
+                                  </p:childTnLst>
+                                </p:cTn>
+                              </p:par>
+                            </p:childTnLst>
+                          </p:cTn>
+                        </p:par>
+                      </p:childTnLst>
+                    </p:cTn>
+                  </p:par>
+                </p:childTnLst>
+              </p:cTn>
+              <p:prevCondLst>
+                <p:cond evt="onPrev" delay="0">
+                  <p:tgtEl>
+                    <p:sldTgt/>
+                  </p:tgtEl>
+                </p:cond>
+              </p:prevCondLst>
+              <p:nextCondLst>
+                <p:cond evt="onNext" delay="0">
+                  <p:tgtEl>
+                    <p:sldTgt/>
+                  </p:tgtEl>
+                </p:cond>
+              </p:nextCondLst>
+            </p:seq>
+          </p:childTnLst>
+        </p:cTn>
+      </p:par>
+    </p:tnLst>
+  </p:timing>
+</p:sld>
+</file>
+
+<file path=ppt/slides/slide13.xml><?xml version="1.0" encoding="utf-8"?>
+<p:sld xmlns:a="http://schemas.openxmlformats.org/drawingml/2006/main" xmlns:r="http://schemas.openxmlformats.org/officeDocument/2006/relationships" xmlns:p="http://schemas.openxmlformats.org/presentationml/2006/main">
+  <p:cSld>
+    <p:spTree>
+      <p:nvGrpSpPr>
+        <p:cNvPr id="1" name=""/>
+        <p:cNvGrpSpPr/>
+        <p:nvPr/>
+      </p:nvGrpSpPr>
+      <p:grpSpPr>
+        <a:xfrm>
+          <a:off x="0" y="0"/>
+          <a:ext cx="0" cy="0"/>
+          <a:chOff x="0" y="0"/>
+          <a:chExt cx="0" cy="0"/>
+        </a:xfrm>
+      </p:grpSpPr>
+      <p:sp>
+        <p:nvSpPr>
+          <p:cNvPr id="2" name="Title 1"/>
+          <p:cNvSpPr>
+            <a:spLocks noGrp="1"/>
+          </p:cNvSpPr>
+          <p:nvPr>
+            <p:ph type="title"/>
+          </p:nvPr>
+        </p:nvSpPr>
+        <p:spPr/>
+        <p:txBody>
+          <a:bodyPr/>
+          <a:lstStyle/>
+          <a:p>
+            <a:r>
               <a:t>Próxima clase</a:t>
             </a:r>
           </a:p>
@@ -4096,7 +5344,7 @@
 </p:sld>
 </file>
 
-<file path=ppt/slides/slide12.xml><?xml version="1.0" encoding="utf-8"?>
+<file path=ppt/slides/slide14.xml><?xml version="1.0" encoding="utf-8"?>
 <p:sld xmlns:a="http://schemas.openxmlformats.org/drawingml/2006/main" xmlns:r="http://schemas.openxmlformats.org/officeDocument/2006/relationships" xmlns:p="http://schemas.openxmlformats.org/presentationml/2006/main">
   <p:cSld>
     <p:spTree>
@@ -4178,7 +5426,7 @@
 </p:sld>
 </file>
 
-<file path=ppt/slides/slide13.xml><?xml version="1.0" encoding="utf-8"?>
+<file path=ppt/slides/slide15.xml><?xml version="1.0" encoding="utf-8"?>
 <p:sld xmlns:a="http://schemas.openxmlformats.org/drawingml/2006/main" xmlns:r="http://schemas.openxmlformats.org/officeDocument/2006/relationships" xmlns:p="http://schemas.openxmlformats.org/presentationml/2006/main">
   <p:cSld>
     <p:spTree>
@@ -4259,7 +5507,7 @@
 </p:sld>
 </file>
 
-<file path=ppt/slides/slide14.xml><?xml version="1.0" encoding="utf-8"?>
+<file path=ppt/slides/slide16.xml><?xml version="1.0" encoding="utf-8"?>
 <p:sld xmlns:a="http://schemas.openxmlformats.org/drawingml/2006/main" xmlns:r="http://schemas.openxmlformats.org/officeDocument/2006/relationships" xmlns:p="http://schemas.openxmlformats.org/presentationml/2006/main">
   <p:cSld>
     <p:spTree>
@@ -4341,7 +5589,7 @@
 </p:sld>
 </file>
 
-<file path=ppt/slides/slide15.xml><?xml version="1.0" encoding="utf-8"?>
+<file path=ppt/slides/slide17.xml><?xml version="1.0" encoding="utf-8"?>
 <p:sld xmlns:a="http://schemas.openxmlformats.org/drawingml/2006/main" xmlns:r="http://schemas.openxmlformats.org/officeDocument/2006/relationships" xmlns:p="http://schemas.openxmlformats.org/presentationml/2006/main">
   <p:cSld>
     <p:spTree>
@@ -4525,7 +5773,7 @@
 </p:sld>
 </file>
 
-<file path=ppt/slides/slide16.xml><?xml version="1.0" encoding="utf-8"?>
+<file path=ppt/slides/slide18.xml><?xml version="1.0" encoding="utf-8"?>
 <p:sld xmlns:a="http://schemas.openxmlformats.org/drawingml/2006/main" xmlns:r="http://schemas.openxmlformats.org/officeDocument/2006/relationships" xmlns:p="http://schemas.openxmlformats.org/presentationml/2006/main">
   <p:cSld>
     <p:spTree>
@@ -4673,7 +5921,7 @@
 </p:sld>
 </file>
 
-<file path=ppt/slides/slide17.xml><?xml version="1.0" encoding="utf-8"?>
+<file path=ppt/slides/slide19.xml><?xml version="1.0" encoding="utf-8"?>
 <p:sld xmlns:a="http://schemas.openxmlformats.org/drawingml/2006/main" xmlns:r="http://schemas.openxmlformats.org/officeDocument/2006/relationships" xmlns:p="http://schemas.openxmlformats.org/presentationml/2006/main">
   <p:cSld>
     <p:spTree>
@@ -4873,49 +6121,425 @@
         <p:spPr/>
         <p:txBody>
           <a:bodyPr>
-            <a:normAutofit/>
+            <a:normAutofit fontScale="92500" lnSpcReduction="20000"/>
           </a:bodyPr>
           <a:lstStyle/>
           <a:p>
-            <a:pPr marL="0" indent="0" algn="ctr">
+            <a:pPr marL="0" indent="0">
               <a:buNone/>
             </a:pPr>
             <a:r>
               <a:rPr lang="es-MX" sz="3200" dirty="0"/>
-              <a:t>La medición es el corazón de la ciencia y, sin embargo, se </a:t>
-            </a:r>
-            <a:r>
-              <a:rPr lang="es-MX" sz="3200"/>
-              <a:t>hace descuidadamente</a:t>
-            </a:r>
-            <a:endParaRPr lang="es-MX" sz="3200" dirty="0"/>
-          </a:p>
-          <a:p>
-            <a:pPr marL="0" indent="0" algn="ctr">
+              <a:t>Andrew Gelman: Qué tema en estadística está ausente en la mayoría de los textos?</a:t>
+            </a:r>
+          </a:p>
+          <a:p>
+            <a:pPr marL="0" indent="0">
               <a:buNone/>
             </a:pPr>
             <a:endParaRPr lang="es-MX" sz="3200" dirty="0"/>
           </a:p>
           <a:p>
+            <a:pPr marL="0" indent="0">
+              <a:buNone/>
+            </a:pPr>
+            <a:r>
+              <a:rPr lang="es-MX" sz="3200" dirty="0"/>
+              <a:t>Variación, comparación o medición </a:t>
+            </a:r>
+          </a:p>
+          <a:p>
+            <a:pPr marL="0" indent="0">
+              <a:buNone/>
+            </a:pPr>
+            <a:endParaRPr lang="es-MX" sz="3200" dirty="0"/>
+          </a:p>
+          <a:p>
+            <a:pPr marL="0" indent="0">
+              <a:buNone/>
+            </a:pPr>
+            <a:r>
+              <a:rPr lang="es-MX" sz="3200" dirty="0"/>
+              <a:t>La mayoría de los textos en estadística cubren análisis de datos y muestreo pero raramente lo integran con medición</a:t>
+            </a:r>
+          </a:p>
+          <a:p>
+            <a:pPr marL="0" indent="0">
+              <a:buNone/>
+            </a:pPr>
+            <a:endParaRPr lang="es-MX" sz="3200" dirty="0"/>
+          </a:p>
+          <a:p>
+            <a:pPr marL="0" indent="0">
+              <a:buNone/>
+            </a:pPr>
+            <a:r>
+              <a:rPr lang="es-MX" sz="3200" dirty="0"/>
+              <a:t>La medición es el corazón de la ciencia y, sin embargo, se hace descuidadamente</a:t>
+            </a:r>
+          </a:p>
+          <a:p>
+            <a:pPr marL="0" indent="0">
+              <a:buNone/>
+            </a:pPr>
+            <a:endParaRPr lang="es-MX" sz="3200" dirty="0"/>
+          </a:p>
+          <a:p>
+            <a:pPr marL="0" indent="0">
+              <a:buNone/>
+            </a:pPr>
+            <a:endParaRPr lang="es-MX" sz="3200" dirty="0"/>
+          </a:p>
+          <a:p>
             <a:pPr marL="0" indent="0" algn="ctr">
               <a:buNone/>
             </a:pPr>
-            <a:r>
-              <a:rPr lang="es-MX" sz="3200" dirty="0"/>
+            <a:endParaRPr lang="es-MX" sz="3200" dirty="0"/>
+          </a:p>
+          <a:p>
+            <a:pPr marL="0" indent="0" algn="ctr">
+              <a:buNone/>
+            </a:pPr>
+            <a:endParaRPr lang="es-MX" sz="3200" dirty="0"/>
+          </a:p>
+          <a:p>
+            <a:pPr marL="0" indent="0" algn="ctr">
+              <a:buNone/>
+            </a:pPr>
+            <a:endParaRPr lang="es-MX" sz="3200" dirty="0"/>
+          </a:p>
+        </p:txBody>
+      </p:sp>
+    </p:spTree>
+  </p:cSld>
+  <p:clrMapOvr>
+    <a:masterClrMapping/>
+  </p:clrMapOvr>
+  <p:timing>
+    <p:tnLst>
+      <p:par>
+        <p:cTn id="1" dur="indefinite" restart="never" nodeType="tmRoot">
+          <p:childTnLst>
+            <p:seq concurrent="1" nextAc="seek">
+              <p:cTn id="2" dur="indefinite" nodeType="mainSeq">
+                <p:childTnLst>
+                  <p:par>
+                    <p:cTn id="3" fill="hold">
+                      <p:stCondLst>
+                        <p:cond delay="indefinite"/>
+                      </p:stCondLst>
+                      <p:childTnLst>
+                        <p:par>
+                          <p:cTn id="4" fill="hold">
+                            <p:stCondLst>
+                              <p:cond delay="0"/>
+                            </p:stCondLst>
+                            <p:childTnLst>
+                              <p:par>
+                                <p:cTn id="5" presetID="1" presetClass="entr" presetSubtype="0" fill="hold" nodeType="clickEffect">
+                                  <p:stCondLst>
+                                    <p:cond delay="0"/>
+                                  </p:stCondLst>
+                                  <p:childTnLst>
+                                    <p:set>
+                                      <p:cBhvr>
+                                        <p:cTn id="6" dur="1" fill="hold">
+                                          <p:stCondLst>
+                                            <p:cond delay="0"/>
+                                          </p:stCondLst>
+                                        </p:cTn>
+                                        <p:tgtEl>
+                                          <p:spTgt spid="3">
+                                            <p:txEl>
+                                              <p:pRg st="0" end="0"/>
+                                            </p:txEl>
+                                          </p:spTgt>
+                                        </p:tgtEl>
+                                        <p:attrNameLst>
+                                          <p:attrName>style.visibility</p:attrName>
+                                        </p:attrNameLst>
+                                      </p:cBhvr>
+                                      <p:to>
+                                        <p:strVal val="visible"/>
+                                      </p:to>
+                                    </p:set>
+                                  </p:childTnLst>
+                                </p:cTn>
+                              </p:par>
+                            </p:childTnLst>
+                          </p:cTn>
+                        </p:par>
+                      </p:childTnLst>
+                    </p:cTn>
+                  </p:par>
+                  <p:par>
+                    <p:cTn id="7" fill="hold">
+                      <p:stCondLst>
+                        <p:cond delay="indefinite"/>
+                      </p:stCondLst>
+                      <p:childTnLst>
+                        <p:par>
+                          <p:cTn id="8" fill="hold">
+                            <p:stCondLst>
+                              <p:cond delay="0"/>
+                            </p:stCondLst>
+                            <p:childTnLst>
+                              <p:par>
+                                <p:cTn id="9" presetID="1" presetClass="entr" presetSubtype="0" fill="hold" nodeType="clickEffect">
+                                  <p:stCondLst>
+                                    <p:cond delay="0"/>
+                                  </p:stCondLst>
+                                  <p:childTnLst>
+                                    <p:set>
+                                      <p:cBhvr>
+                                        <p:cTn id="10" dur="1" fill="hold">
+                                          <p:stCondLst>
+                                            <p:cond delay="0"/>
+                                          </p:stCondLst>
+                                        </p:cTn>
+                                        <p:tgtEl>
+                                          <p:spTgt spid="3">
+                                            <p:txEl>
+                                              <p:pRg st="2" end="2"/>
+                                            </p:txEl>
+                                          </p:spTgt>
+                                        </p:tgtEl>
+                                        <p:attrNameLst>
+                                          <p:attrName>style.visibility</p:attrName>
+                                        </p:attrNameLst>
+                                      </p:cBhvr>
+                                      <p:to>
+                                        <p:strVal val="visible"/>
+                                      </p:to>
+                                    </p:set>
+                                  </p:childTnLst>
+                                </p:cTn>
+                              </p:par>
+                            </p:childTnLst>
+                          </p:cTn>
+                        </p:par>
+                      </p:childTnLst>
+                    </p:cTn>
+                  </p:par>
+                  <p:par>
+                    <p:cTn id="11" fill="hold">
+                      <p:stCondLst>
+                        <p:cond delay="indefinite"/>
+                      </p:stCondLst>
+                      <p:childTnLst>
+                        <p:par>
+                          <p:cTn id="12" fill="hold">
+                            <p:stCondLst>
+                              <p:cond delay="0"/>
+                            </p:stCondLst>
+                            <p:childTnLst>
+                              <p:par>
+                                <p:cTn id="13" presetID="1" presetClass="entr" presetSubtype="0" fill="hold" nodeType="clickEffect">
+                                  <p:stCondLst>
+                                    <p:cond delay="0"/>
+                                  </p:stCondLst>
+                                  <p:childTnLst>
+                                    <p:set>
+                                      <p:cBhvr>
+                                        <p:cTn id="14" dur="1" fill="hold">
+                                          <p:stCondLst>
+                                            <p:cond delay="0"/>
+                                          </p:stCondLst>
+                                        </p:cTn>
+                                        <p:tgtEl>
+                                          <p:spTgt spid="3">
+                                            <p:txEl>
+                                              <p:pRg st="4" end="4"/>
+                                            </p:txEl>
+                                          </p:spTgt>
+                                        </p:tgtEl>
+                                        <p:attrNameLst>
+                                          <p:attrName>style.visibility</p:attrName>
+                                        </p:attrNameLst>
+                                      </p:cBhvr>
+                                      <p:to>
+                                        <p:strVal val="visible"/>
+                                      </p:to>
+                                    </p:set>
+                                  </p:childTnLst>
+                                </p:cTn>
+                              </p:par>
+                            </p:childTnLst>
+                          </p:cTn>
+                        </p:par>
+                      </p:childTnLst>
+                    </p:cTn>
+                  </p:par>
+                  <p:par>
+                    <p:cTn id="15" fill="hold">
+                      <p:stCondLst>
+                        <p:cond delay="indefinite"/>
+                      </p:stCondLst>
+                      <p:childTnLst>
+                        <p:par>
+                          <p:cTn id="16" fill="hold">
+                            <p:stCondLst>
+                              <p:cond delay="0"/>
+                            </p:stCondLst>
+                            <p:childTnLst>
+                              <p:par>
+                                <p:cTn id="17" presetID="1" presetClass="entr" presetSubtype="0" fill="hold" nodeType="clickEffect">
+                                  <p:stCondLst>
+                                    <p:cond delay="0"/>
+                                  </p:stCondLst>
+                                  <p:childTnLst>
+                                    <p:set>
+                                      <p:cBhvr>
+                                        <p:cTn id="18" dur="1" fill="hold">
+                                          <p:stCondLst>
+                                            <p:cond delay="0"/>
+                                          </p:stCondLst>
+                                        </p:cTn>
+                                        <p:tgtEl>
+                                          <p:spTgt spid="3">
+                                            <p:txEl>
+                                              <p:pRg st="6" end="6"/>
+                                            </p:txEl>
+                                          </p:spTgt>
+                                        </p:tgtEl>
+                                        <p:attrNameLst>
+                                          <p:attrName>style.visibility</p:attrName>
+                                        </p:attrNameLst>
+                                      </p:cBhvr>
+                                      <p:to>
+                                        <p:strVal val="visible"/>
+                                      </p:to>
+                                    </p:set>
+                                  </p:childTnLst>
+                                </p:cTn>
+                              </p:par>
+                            </p:childTnLst>
+                          </p:cTn>
+                        </p:par>
+                      </p:childTnLst>
+                    </p:cTn>
+                  </p:par>
+                </p:childTnLst>
+              </p:cTn>
+              <p:prevCondLst>
+                <p:cond evt="onPrev" delay="0">
+                  <p:tgtEl>
+                    <p:sldTgt/>
+                  </p:tgtEl>
+                </p:cond>
+              </p:prevCondLst>
+              <p:nextCondLst>
+                <p:cond evt="onNext" delay="0">
+                  <p:tgtEl>
+                    <p:sldTgt/>
+                  </p:tgtEl>
+                </p:cond>
+              </p:nextCondLst>
+            </p:seq>
+          </p:childTnLst>
+        </p:cTn>
+      </p:par>
+    </p:tnLst>
+  </p:timing>
+</p:sld>
+</file>
+
+<file path=ppt/slides/slide3.xml><?xml version="1.0" encoding="utf-8"?>
+<p:sld xmlns:a="http://schemas.openxmlformats.org/drawingml/2006/main" xmlns:r="http://schemas.openxmlformats.org/officeDocument/2006/relationships" xmlns:p="http://schemas.openxmlformats.org/presentationml/2006/main">
+  <p:cSld>
+    <p:spTree>
+      <p:nvGrpSpPr>
+        <p:cNvPr id="1" name=""/>
+        <p:cNvGrpSpPr/>
+        <p:nvPr/>
+      </p:nvGrpSpPr>
+      <p:grpSpPr>
+        <a:xfrm>
+          <a:off x="0" y="0"/>
+          <a:ext cx="0" cy="0"/>
+          <a:chOff x="0" y="0"/>
+          <a:chExt cx="0" cy="0"/>
+        </a:xfrm>
+      </p:grpSpPr>
+      <p:sp>
+        <p:nvSpPr>
+          <p:cNvPr id="2" name="Title 1">
+            <a:extLst>
+              <a:ext uri="{FF2B5EF4-FFF2-40B4-BE49-F238E27FC236}">
+                <a16:creationId xmlns:a16="http://schemas.microsoft.com/office/drawing/2014/main" id="{73D02D41-B34D-419A-ABA2-FAD76A1AEC81}"/>
+              </a:ext>
+            </a:extLst>
+          </p:cNvPr>
+          <p:cNvSpPr>
+            <a:spLocks noGrp="1"/>
+          </p:cNvSpPr>
+          <p:nvPr>
+            <p:ph type="title"/>
+          </p:nvPr>
+        </p:nvSpPr>
+        <p:spPr/>
+        <p:txBody>
+          <a:bodyPr/>
+          <a:lstStyle/>
+          <a:p>
+            <a:r>
+              <a:rPr lang="es-MX" dirty="0"/>
+              <a:t>OBJETIVO</a:t>
+            </a:r>
+          </a:p>
+        </p:txBody>
+      </p:sp>
+      <p:sp>
+        <p:nvSpPr>
+          <p:cNvPr id="3" name="Content Placeholder 2">
+            <a:extLst>
+              <a:ext uri="{FF2B5EF4-FFF2-40B4-BE49-F238E27FC236}">
+                <a16:creationId xmlns:a16="http://schemas.microsoft.com/office/drawing/2014/main" id="{1C359CA5-AAAA-41AD-A486-D1D01F1AFDCC}"/>
+              </a:ext>
+            </a:extLst>
+          </p:cNvPr>
+          <p:cNvSpPr>
+            <a:spLocks noGrp="1"/>
+          </p:cNvSpPr>
+          <p:nvPr>
+            <p:ph idx="1"/>
+          </p:nvPr>
+        </p:nvSpPr>
+        <p:spPr/>
+        <p:txBody>
+          <a:bodyPr/>
+          <a:lstStyle/>
+          <a:p>
+            <a:pPr marL="0" indent="0">
+              <a:buNone/>
+            </a:pPr>
+            <a:r>
+              <a:rPr lang="es-MX" sz="2800" dirty="0"/>
               <a:t>El objetivo del curso es desarrollar las capacidades críticas y analíticas de los estudiantes para la producción y escrutinio de índices sociales como </a:t>
             </a:r>
             <a:r>
-              <a:rPr lang="es-MX" sz="3200" b="1" dirty="0"/>
+              <a:rPr lang="es-MX" sz="2800" b="1" dirty="0"/>
               <a:t>pobreza, marginación, clase social, precariedad laboral, seguridad alimentaria, derechos sociales</a:t>
             </a:r>
             <a:r>
-              <a:rPr lang="es-MX" sz="3200" dirty="0"/>
+              <a:rPr lang="es-MX" sz="2800" dirty="0"/>
               <a:t>, etc.</a:t>
             </a:r>
           </a:p>
+          <a:p>
+            <a:pPr marL="0" indent="0">
+              <a:buNone/>
+            </a:pPr>
+            <a:endParaRPr lang="es-MX" dirty="0"/>
+          </a:p>
         </p:txBody>
       </p:sp>
     </p:spTree>
+    <p:extLst>
+      <p:ext uri="{BB962C8B-B14F-4D97-AF65-F5344CB8AC3E}">
+        <p14:creationId xmlns:p14="http://schemas.microsoft.com/office/powerpoint/2010/main" val="3282299934"/>
+      </p:ext>
+    </p:extLst>
   </p:cSld>
   <p:clrMapOvr>
     <a:masterClrMapping/>
@@ -4923,7 +6547,7 @@
 </p:sld>
 </file>
 
-<file path=ppt/slides/slide3.xml><?xml version="1.0" encoding="utf-8"?>
+<file path=ppt/slides/slide4.xml><?xml version="1.0" encoding="utf-8"?>
 <p:sld xmlns:a="http://schemas.openxmlformats.org/drawingml/2006/main" xmlns:r="http://schemas.openxmlformats.org/officeDocument/2006/relationships" xmlns:p="http://schemas.openxmlformats.org/presentationml/2006/main">
   <p:cSld>
     <p:spTree>
@@ -5526,99 +7150,6 @@
 </p:sld>
 </file>
 
-<file path=ppt/slides/slide4.xml><?xml version="1.0" encoding="utf-8"?>
-<p:sld xmlns:a="http://schemas.openxmlformats.org/drawingml/2006/main" xmlns:r="http://schemas.openxmlformats.org/officeDocument/2006/relationships" xmlns:p="http://schemas.openxmlformats.org/presentationml/2006/main">
-  <p:cSld>
-    <p:spTree>
-      <p:nvGrpSpPr>
-        <p:cNvPr id="1" name=""/>
-        <p:cNvGrpSpPr/>
-        <p:nvPr/>
-      </p:nvGrpSpPr>
-      <p:grpSpPr>
-        <a:xfrm>
-          <a:off x="0" y="0"/>
-          <a:ext cx="0" cy="0"/>
-          <a:chOff x="0" y="0"/>
-          <a:chExt cx="0" cy="0"/>
-        </a:xfrm>
-      </p:grpSpPr>
-      <p:sp>
-        <p:nvSpPr>
-          <p:cNvPr id="2" name="Title 1"/>
-          <p:cNvSpPr>
-            <a:spLocks noGrp="1"/>
-          </p:cNvSpPr>
-          <p:nvPr>
-            <p:ph type="title"/>
-          </p:nvPr>
-        </p:nvSpPr>
-        <p:spPr/>
-        <p:txBody>
-          <a:bodyPr/>
-          <a:lstStyle/>
-          <a:p>
-            <a:r>
-              <a:t>Características de las sesiones</a:t>
-            </a:r>
-          </a:p>
-        </p:txBody>
-      </p:sp>
-      <p:sp>
-        <p:nvSpPr>
-          <p:cNvPr id="3" name="Content Placeholder 2"/>
-          <p:cNvSpPr>
-            <a:spLocks noGrp="1"/>
-          </p:cNvSpPr>
-          <p:nvPr>
-            <p:ph idx="1"/>
-          </p:nvPr>
-        </p:nvSpPr>
-        <p:spPr/>
-        <p:txBody>
-          <a:bodyPr>
-            <a:normAutofit/>
-          </a:bodyPr>
-          <a:lstStyle/>
-          <a:p>
-            <a:pPr lvl="1"/>
-            <a:r>
-              <a:rPr lang="es-MX" sz="2400" dirty="0"/>
-              <a:t>Las sesiones combinan discusión, teoría y aplicación con el programa R.</a:t>
-            </a:r>
-          </a:p>
-          <a:p>
-            <a:pPr lvl="1"/>
-            <a:r>
-              <a:rPr lang="es-MX" sz="2400" dirty="0"/>
-              <a:t>Antes de cada clase, los alumnos deberán leer una selección de artículos para su discusión en grupo.</a:t>
-            </a:r>
-          </a:p>
-          <a:p>
-            <a:pPr lvl="1"/>
-            <a:r>
-              <a:rPr lang="es-MX" sz="2400" dirty="0"/>
-              <a:t>Los docentes impartirán cada sesión (prepararán un archivo.ppt que subirán a </a:t>
-            </a:r>
-            <a:r>
-              <a:rPr lang="es-MX" sz="2400" dirty="0" err="1"/>
-              <a:t>Github</a:t>
-            </a:r>
-            <a:r>
-              <a:rPr lang="es-MX" sz="2400" dirty="0"/>
-              <a:t> después de cada clase) y se dedicará siempre un espacio para discusión, ejercicios en grupo y/o implementación de análisis usando el programa R.</a:t>
-            </a:r>
-          </a:p>
-        </p:txBody>
-      </p:sp>
-    </p:spTree>
-  </p:cSld>
-  <p:clrMapOvr>
-    <a:masterClrMapping/>
-  </p:clrMapOvr>
-</p:sld>
-</file>
-
 <file path=ppt/slides/slide5.xml><?xml version="1.0" encoding="utf-8"?>
 <p:sld xmlns:a="http://schemas.openxmlformats.org/drawingml/2006/main" xmlns:r="http://schemas.openxmlformats.org/officeDocument/2006/relationships" xmlns:p="http://schemas.openxmlformats.org/presentationml/2006/main">
   <p:cSld>
@@ -5652,7 +7183,7 @@
           <a:lstStyle/>
           <a:p>
             <a:r>
-              <a:t>Materiales: Github y drive</a:t>
+              <a:t>Características de las sesiones</a:t>
             </a:r>
           </a:p>
         </p:txBody>
@@ -5669,216 +7200,37 @@
         </p:nvSpPr>
         <p:spPr/>
         <p:txBody>
-          <a:bodyPr/>
+          <a:bodyPr>
+            <a:normAutofit/>
+          </a:bodyPr>
           <a:lstStyle/>
           <a:p>
-            <a:pPr marL="0" indent="0">
-              <a:buNone/>
-            </a:pPr>
-            <a:r>
-              <a:rPr dirty="0"/>
-              <a:t>Los </a:t>
-            </a:r>
-            <a:r>
-              <a:rPr dirty="0" err="1"/>
-              <a:t>docentes</a:t>
-            </a:r>
-            <a:r>
-              <a:rPr dirty="0"/>
-              <a:t> </a:t>
-            </a:r>
-            <a:r>
-              <a:rPr dirty="0" err="1"/>
-              <a:t>utilizarán</a:t>
-            </a:r>
-            <a:r>
-              <a:rPr dirty="0"/>
-              <a:t> </a:t>
-            </a:r>
-            <a:r>
-              <a:rPr dirty="0" err="1"/>
-              <a:t>esta</a:t>
-            </a:r>
-            <a:r>
-              <a:rPr dirty="0"/>
-              <a:t> </a:t>
-            </a:r>
-            <a:r>
-              <a:rPr dirty="0" err="1"/>
-              <a:t>plataforma</a:t>
-            </a:r>
-            <a:r>
-              <a:rPr dirty="0"/>
-              <a:t> para </a:t>
-            </a:r>
-            <a:r>
-              <a:rPr dirty="0" err="1"/>
-              <a:t>compartir</a:t>
-            </a:r>
-            <a:r>
-              <a:rPr dirty="0"/>
-              <a:t> los </a:t>
-            </a:r>
-            <a:r>
-              <a:rPr dirty="0" err="1"/>
-              <a:t>materiales</a:t>
-            </a:r>
-            <a:r>
-              <a:rPr dirty="0"/>
-              <a:t> del </a:t>
-            </a:r>
-            <a:r>
-              <a:rPr dirty="0" err="1"/>
-              <a:t>curso</a:t>
-            </a:r>
-            <a:r>
-              <a:rPr dirty="0"/>
-              <a:t> (</a:t>
-            </a:r>
-            <a:r>
-              <a:rPr dirty="0" err="1"/>
-              <a:t>bibliografía</a:t>
-            </a:r>
-            <a:r>
-              <a:rPr dirty="0"/>
-              <a:t>, </a:t>
-            </a:r>
-            <a:r>
-              <a:rPr dirty="0" err="1"/>
-              <a:t>presentaciones</a:t>
-            </a:r>
-            <a:r>
-              <a:rPr dirty="0"/>
-              <a:t>, </a:t>
-            </a:r>
-            <a:r>
-              <a:rPr dirty="0" err="1"/>
-              <a:t>ejercicios</a:t>
-            </a:r>
-            <a:r>
-              <a:rPr dirty="0"/>
-              <a:t>). La </a:t>
-            </a:r>
-            <a:r>
-              <a:rPr dirty="0" err="1"/>
-              <a:t>dirección</a:t>
-            </a:r>
-            <a:r>
-              <a:rPr dirty="0"/>
-              <a:t> </a:t>
-            </a:r>
-            <a:r>
-              <a:rPr dirty="0" err="1"/>
-              <a:t>relevante</a:t>
-            </a:r>
-            <a:r>
-              <a:rPr dirty="0"/>
-              <a:t> es:</a:t>
-            </a:r>
-          </a:p>
-          <a:p>
-            <a:pPr marL="0" indent="0">
-              <a:buNone/>
-            </a:pPr>
-            <a:r>
-              <a:rPr dirty="0">
-                <a:hlinkClick r:id="rId2"/>
-              </a:rPr>
-              <a:t>https://github.com/hectornajera83/SEMindicadores</a:t>
-            </a:r>
-            <a:endParaRPr lang="en-GB" dirty="0">
-              <a:hlinkClick r:id="rId2"/>
-            </a:endParaRPr>
-          </a:p>
-          <a:p>
-            <a:pPr marL="0" indent="0">
-              <a:buNone/>
-            </a:pPr>
-            <a:endParaRPr lang="en-GB" dirty="0">
-              <a:hlinkClick r:id="rId2"/>
-            </a:endParaRPr>
-          </a:p>
-          <a:p>
-            <a:pPr marL="0" indent="0">
-              <a:buNone/>
-            </a:pPr>
-            <a:r>
-              <a:rPr lang="en-GB" dirty="0"/>
-              <a:t>Las </a:t>
-            </a:r>
-            <a:r>
-              <a:rPr lang="en-GB" dirty="0" err="1"/>
-              <a:t>lecturas</a:t>
-            </a:r>
-            <a:r>
-              <a:rPr lang="en-GB" dirty="0"/>
-              <a:t> se </a:t>
-            </a:r>
-            <a:r>
-              <a:rPr lang="en-GB" dirty="0" err="1"/>
-              <a:t>pondrán</a:t>
-            </a:r>
-            <a:r>
-              <a:rPr lang="en-GB" dirty="0"/>
-              <a:t> </a:t>
-            </a:r>
-            <a:r>
-              <a:rPr lang="en-GB" dirty="0" err="1"/>
-              <a:t>en</a:t>
-            </a:r>
-            <a:r>
-              <a:rPr lang="en-GB" dirty="0"/>
-              <a:t> OneDrive:</a:t>
-            </a:r>
-            <a:endParaRPr lang="en-GB" dirty="0">
-              <a:hlinkClick r:id="rId2"/>
-            </a:endParaRPr>
-          </a:p>
-          <a:p>
-            <a:pPr marL="0" indent="0">
-              <a:buNone/>
-            </a:pPr>
-            <a:endParaRPr lang="en-GB" dirty="0">
-              <a:hlinkClick r:id="rId2"/>
-            </a:endParaRPr>
-          </a:p>
-          <a:p>
-            <a:pPr marL="0" indent="0">
-              <a:buNone/>
-            </a:pPr>
-            <a:r>
-              <a:rPr lang="en-GB" dirty="0">
-                <a:hlinkClick r:id="rId2"/>
-              </a:rPr>
-              <a:t>https://1drv.ms/u/s!AlMj8cdErzRZaUGsfummX-8yX00?e=LRSCHl</a:t>
-            </a:r>
-            <a:endParaRPr dirty="0">
-              <a:hlinkClick r:id="rId2"/>
-            </a:endParaRPr>
-          </a:p>
-          <a:p>
-            <a:pPr marL="0" indent="0">
-              <a:spcBef>
-                <a:spcPts val="3000"/>
-              </a:spcBef>
-              <a:buNone/>
-            </a:pPr>
-            <a:r>
-              <a:rPr b="1" dirty="0"/>
-              <a:t>Lugar y hora</a:t>
-            </a:r>
-          </a:p>
-          <a:p>
-            <a:pPr marL="0" indent="0">
-              <a:buNone/>
-            </a:pPr>
-            <a:r>
-              <a:rPr dirty="0" err="1"/>
-              <a:t>Miércoles</a:t>
-            </a:r>
-            <a:r>
-              <a:rPr dirty="0"/>
-              <a:t>. Salón 209. 4 a 7 pm.</a:t>
+            <a:pPr lvl="1"/>
+            <a:r>
+              <a:rPr lang="es-MX" sz="2400" dirty="0"/>
+              <a:t>Las sesiones combinan discusión, teoría y aplicación con el programa R.</a:t>
+            </a:r>
+          </a:p>
+          <a:p>
+            <a:pPr lvl="1"/>
+            <a:r>
+              <a:rPr lang="es-MX" sz="2400" dirty="0"/>
+              <a:t>Antes de cada clase, los alumnos deberán leer una selección de artículos para su discusión en grupo.</a:t>
+            </a:r>
+          </a:p>
+          <a:p>
+            <a:pPr lvl="1"/>
+            <a:r>
+              <a:rPr lang="es-MX" sz="2400" dirty="0"/>
+              <a:t>Los docentes impartirán cada sesión (prepararán un archivo.ppt que subirán a </a:t>
+            </a:r>
+            <a:r>
+              <a:rPr lang="es-MX" sz="2400" dirty="0" err="1"/>
+              <a:t>Github</a:t>
+            </a:r>
+            <a:r>
+              <a:rPr lang="es-MX" sz="2400" dirty="0"/>
+              <a:t> después de cada clase) y se dedicará siempre un espacio para discusión, ejercicios en grupo y/o implementación de análisis usando el programa R.</a:t>
             </a:r>
           </a:p>
         </p:txBody>
@@ -5924,7 +7276,7 @@
           <a:lstStyle/>
           <a:p>
             <a:r>
-              <a:t>Evaluación</a:t>
+              <a:t>Materiales: Github y drive</a:t>
             </a:r>
           </a:p>
         </p:txBody>
@@ -5941,400 +7293,120 @@
         </p:nvSpPr>
         <p:spPr/>
         <p:txBody>
-          <a:bodyPr>
-            <a:normAutofit/>
-          </a:bodyPr>
+          <a:bodyPr/>
           <a:lstStyle/>
           <a:p>
             <a:pPr marL="0" indent="0">
               <a:buNone/>
             </a:pPr>
             <a:r>
-              <a:rPr dirty="0"/>
-              <a:t>Se </a:t>
-            </a:r>
-            <a:r>
-              <a:rPr dirty="0" err="1"/>
-              <a:t>utilizarán</a:t>
-            </a:r>
-            <a:r>
-              <a:rPr dirty="0"/>
+              <a:rPr lang="es-MX" dirty="0"/>
+              <a:t>Los docentes utilizarán esta plataforma para compartir los materiales del curso (bibliografía, presentaciones, ejercicios). La dirección relevante es:</a:t>
+            </a:r>
+          </a:p>
+          <a:p>
+            <a:pPr marL="0" indent="0">
+              <a:buNone/>
+            </a:pPr>
+            <a:r>
+              <a:rPr dirty="0">
+                <a:hlinkClick r:id="rId2"/>
+              </a:rPr>
+              <a:t>https://github.com/hectornajera83/SEMindicadores</a:t>
+            </a:r>
+            <a:endParaRPr lang="en-GB" dirty="0">
+              <a:hlinkClick r:id="rId2"/>
+            </a:endParaRPr>
+          </a:p>
+          <a:p>
+            <a:pPr marL="0" indent="0">
+              <a:buNone/>
+            </a:pPr>
+            <a:endParaRPr lang="en-GB" dirty="0">
+              <a:hlinkClick r:id="rId2"/>
+            </a:endParaRPr>
+          </a:p>
+          <a:p>
+            <a:pPr marL="0" indent="0">
+              <a:buNone/>
+            </a:pPr>
+            <a:r>
+              <a:rPr lang="en-GB" dirty="0"/>
+              <a:t>Las </a:t>
+            </a:r>
+            <a:r>
+              <a:rPr lang="en-GB" dirty="0" err="1"/>
+              <a:t>lecturas</a:t>
+            </a:r>
+            <a:r>
+              <a:rPr lang="en-GB" dirty="0"/>
+              <a:t> se </a:t>
+            </a:r>
+            <a:r>
+              <a:rPr lang="en-GB" dirty="0" err="1"/>
+              <a:t>pondrán</a:t>
+            </a:r>
+            <a:r>
+              <a:rPr lang="en-GB" dirty="0"/>
               <a:t> </a:t>
             </a:r>
             <a:r>
-              <a:rPr dirty="0" err="1"/>
-              <a:t>tres</a:t>
-            </a:r>
-            <a:r>
-              <a:rPr dirty="0"/>
-              <a:t> </a:t>
-            </a:r>
-            <a:r>
-              <a:rPr dirty="0" err="1"/>
-              <a:t>ejercicios</a:t>
-            </a:r>
-            <a:r>
-              <a:rPr dirty="0"/>
-              <a:t> para </a:t>
-            </a:r>
-            <a:r>
-              <a:rPr dirty="0" err="1"/>
-              <a:t>valorar</a:t>
-            </a:r>
-            <a:r>
-              <a:rPr dirty="0"/>
-              <a:t> los </a:t>
-            </a:r>
-            <a:r>
-              <a:rPr dirty="0" err="1"/>
-              <a:t>contenidos</a:t>
-            </a:r>
-            <a:r>
-              <a:rPr dirty="0"/>
-              <a:t> que los </a:t>
-            </a:r>
-            <a:r>
-              <a:rPr dirty="0" err="1"/>
-              <a:t>alumnos</a:t>
-            </a:r>
-            <a:r>
-              <a:rPr dirty="0"/>
-              <a:t> </a:t>
-            </a:r>
-            <a:r>
-              <a:rPr dirty="0" err="1"/>
-              <a:t>manejan</a:t>
-            </a:r>
-            <a:r>
-              <a:rPr dirty="0"/>
-              <a:t> con </a:t>
-            </a:r>
-            <a:r>
-              <a:rPr dirty="0" err="1"/>
-              <a:t>confianza</a:t>
-            </a:r>
-            <a:r>
-              <a:rPr dirty="0"/>
-              <a:t> y </a:t>
-            </a:r>
-            <a:r>
-              <a:rPr dirty="0" err="1"/>
-              <a:t>aquellos</a:t>
-            </a:r>
-            <a:r>
-              <a:rPr dirty="0"/>
-              <a:t> que </a:t>
-            </a:r>
-            <a:r>
-              <a:rPr dirty="0" err="1"/>
-              <a:t>necesitan</a:t>
-            </a:r>
-            <a:r>
-              <a:rPr dirty="0"/>
-              <a:t> </a:t>
-            </a:r>
-            <a:r>
-              <a:rPr dirty="0" err="1"/>
-              <a:t>reforzarse</a:t>
-            </a:r>
-            <a:r>
-              <a:rPr dirty="0"/>
-              <a:t>.</a:t>
-            </a:r>
-          </a:p>
-          <a:p>
-            <a:pPr lvl="1"/>
-            <a:r>
-              <a:rPr dirty="0"/>
-              <a:t>Dos </a:t>
-            </a:r>
-            <a:r>
-              <a:rPr dirty="0" err="1"/>
-              <a:t>ejercicios</a:t>
-            </a:r>
-            <a:r>
-              <a:rPr dirty="0"/>
-              <a:t> que </a:t>
-            </a:r>
-            <a:r>
-              <a:rPr dirty="0" err="1"/>
-              <a:t>combinan</a:t>
-            </a:r>
-            <a:r>
-              <a:rPr dirty="0"/>
-              <a:t> </a:t>
-            </a:r>
-            <a:r>
-              <a:rPr dirty="0" err="1"/>
-              <a:t>análisis</a:t>
-            </a:r>
-            <a:r>
-              <a:rPr dirty="0"/>
-              <a:t> </a:t>
-            </a:r>
-            <a:r>
-              <a:rPr dirty="0" err="1"/>
-              <a:t>crítico</a:t>
-            </a:r>
-            <a:r>
-              <a:rPr dirty="0"/>
-              <a:t> y </a:t>
-            </a:r>
-            <a:r>
-              <a:rPr dirty="0" err="1"/>
-              <a:t>aplicaciones</a:t>
-            </a:r>
-            <a:r>
-              <a:rPr dirty="0"/>
-              <a:t>.</a:t>
-            </a:r>
-          </a:p>
-          <a:p>
-            <a:pPr lvl="1"/>
-            <a:r>
-              <a:rPr dirty="0"/>
-              <a:t>Un </a:t>
-            </a:r>
-            <a:r>
-              <a:rPr dirty="0" err="1"/>
-              <a:t>ejercicio</a:t>
-            </a:r>
-            <a:r>
-              <a:rPr dirty="0"/>
-              <a:t> final que </a:t>
-            </a:r>
-            <a:r>
-              <a:rPr dirty="0" err="1"/>
-              <a:t>consiste</a:t>
-            </a:r>
-            <a:r>
-              <a:rPr dirty="0"/>
-              <a:t> </a:t>
-            </a:r>
-            <a:r>
-              <a:rPr dirty="0" err="1"/>
+              <a:rPr lang="en-GB" dirty="0" err="1"/>
               <a:t>en</a:t>
             </a:r>
             <a:r>
-              <a:rPr dirty="0"/>
-              <a:t> </a:t>
-            </a:r>
-            <a:r>
-              <a:rPr dirty="0" err="1"/>
-              <a:t>producir</a:t>
-            </a:r>
-            <a:r>
-              <a:rPr dirty="0"/>
-              <a:t> una </a:t>
-            </a:r>
-            <a:r>
-              <a:rPr dirty="0" err="1"/>
-              <a:t>medida</a:t>
-            </a:r>
-            <a:r>
-              <a:rPr dirty="0"/>
-              <a:t> </a:t>
-            </a:r>
-            <a:r>
-              <a:rPr dirty="0" err="1"/>
-              <a:t>válida</a:t>
-            </a:r>
-            <a:r>
-              <a:rPr dirty="0"/>
-              <a:t> y </a:t>
-            </a:r>
-            <a:r>
-              <a:rPr dirty="0" err="1"/>
-              <a:t>confiable</a:t>
-            </a:r>
-            <a:r>
-              <a:rPr dirty="0"/>
-              <a:t>.</a:t>
-            </a:r>
-            <a:endParaRPr lang="en-GB" dirty="0"/>
-          </a:p>
-          <a:p>
-            <a:pPr lvl="1"/>
-            <a:endParaRPr lang="en-GB" dirty="0"/>
-          </a:p>
-          <a:p>
-            <a:pPr marL="457188" lvl="1" indent="0">
+              <a:rPr lang="en-GB" dirty="0"/>
+              <a:t> OneDrive:</a:t>
+            </a:r>
+            <a:endParaRPr lang="en-GB" dirty="0">
+              <a:hlinkClick r:id="rId2"/>
+            </a:endParaRPr>
+          </a:p>
+          <a:p>
+            <a:pPr marL="0" indent="0">
               <a:buNone/>
             </a:pPr>
-            <a:endParaRPr dirty="0"/>
-          </a:p>
-          <a:p>
-            <a:pPr lvl="1"/>
-            <a:r>
-              <a:rPr dirty="0"/>
-              <a:t>Nuestra </a:t>
-            </a:r>
-            <a:r>
-              <a:rPr dirty="0" err="1"/>
-              <a:t>prioridad</a:t>
-            </a:r>
-            <a:r>
-              <a:rPr dirty="0"/>
-              <a:t> es que </a:t>
-            </a:r>
-            <a:r>
-              <a:rPr dirty="0" err="1"/>
-              <a:t>aprendan</a:t>
-            </a:r>
-            <a:r>
-              <a:rPr dirty="0"/>
-              <a:t> y les sea </a:t>
-            </a:r>
-            <a:r>
-              <a:rPr dirty="0" err="1"/>
-              <a:t>útil</a:t>
-            </a:r>
-            <a:r>
-              <a:rPr dirty="0"/>
-              <a:t> el </a:t>
-            </a:r>
-            <a:r>
-              <a:rPr dirty="0" err="1"/>
-              <a:t>curso</a:t>
-            </a:r>
-            <a:r>
-              <a:rPr dirty="0"/>
-              <a:t>. </a:t>
-            </a:r>
-            <a:r>
-              <a:rPr dirty="0" err="1"/>
-              <a:t>Su</a:t>
-            </a:r>
-            <a:r>
-              <a:rPr dirty="0"/>
-              <a:t> </a:t>
-            </a:r>
-            <a:r>
-              <a:rPr dirty="0" err="1"/>
-              <a:t>aprendizaje</a:t>
-            </a:r>
-            <a:r>
-              <a:rPr dirty="0"/>
-              <a:t> </a:t>
-            </a:r>
-            <a:r>
-              <a:rPr dirty="0" err="1"/>
-              <a:t>tendrá</a:t>
-            </a:r>
-            <a:r>
-              <a:rPr dirty="0"/>
-              <a:t> una </a:t>
-            </a:r>
-            <a:r>
-              <a:rPr dirty="0" err="1"/>
-              <a:t>expresión</a:t>
-            </a:r>
-            <a:r>
-              <a:rPr dirty="0"/>
-              <a:t> </a:t>
-            </a:r>
-            <a:r>
-              <a:rPr dirty="0" err="1"/>
-              <a:t>númerica</a:t>
-            </a:r>
-            <a:r>
-              <a:rPr dirty="0"/>
-              <a:t> no tanto </a:t>
-            </a:r>
-            <a:r>
-              <a:rPr dirty="0" err="1"/>
-              <a:t>basada</a:t>
-            </a:r>
-            <a:r>
-              <a:rPr dirty="0"/>
-              <a:t> </a:t>
-            </a:r>
-            <a:r>
-              <a:rPr dirty="0" err="1"/>
-              <a:t>en</a:t>
-            </a:r>
-            <a:r>
-              <a:rPr dirty="0"/>
-              <a:t> </a:t>
-            </a:r>
-            <a:r>
-              <a:rPr dirty="0" err="1"/>
-              <a:t>resultados</a:t>
-            </a:r>
-            <a:r>
-              <a:rPr dirty="0"/>
-              <a:t> </a:t>
-            </a:r>
-            <a:r>
-              <a:rPr dirty="0" err="1"/>
-              <a:t>sino</a:t>
-            </a:r>
-            <a:r>
-              <a:rPr dirty="0"/>
-              <a:t> </a:t>
-            </a:r>
-            <a:r>
-              <a:rPr dirty="0" err="1"/>
-              <a:t>en</a:t>
-            </a:r>
-            <a:r>
-              <a:rPr dirty="0"/>
-              <a:t> el </a:t>
-            </a:r>
-            <a:r>
-              <a:rPr dirty="0" err="1"/>
-              <a:t>proceso</a:t>
-            </a:r>
-            <a:r>
-              <a:rPr dirty="0"/>
-              <a:t>.</a:t>
-            </a:r>
-          </a:p>
-          <a:p>
-            <a:pPr lvl="1"/>
-            <a:r>
-              <a:rPr dirty="0"/>
-              <a:t>Los </a:t>
-            </a:r>
-            <a:r>
-              <a:rPr dirty="0" err="1"/>
-              <a:t>ejercicios</a:t>
-            </a:r>
-            <a:r>
-              <a:rPr dirty="0"/>
-              <a:t> </a:t>
-            </a:r>
-            <a:r>
-              <a:rPr dirty="0" err="1"/>
-              <a:t>nos</a:t>
-            </a:r>
-            <a:r>
-              <a:rPr dirty="0"/>
-              <a:t> </a:t>
-            </a:r>
-            <a:r>
-              <a:rPr dirty="0" err="1"/>
-              <a:t>indicarán</a:t>
-            </a:r>
-            <a:r>
-              <a:rPr dirty="0"/>
-              <a:t> la </a:t>
-            </a:r>
-            <a:r>
-              <a:rPr dirty="0" err="1"/>
-              <a:t>evolución</a:t>
-            </a:r>
-            <a:r>
-              <a:rPr dirty="0"/>
-              <a:t> del </a:t>
-            </a:r>
-            <a:r>
-              <a:rPr dirty="0" err="1"/>
-              <a:t>grupo</a:t>
-            </a:r>
-            <a:r>
-              <a:rPr dirty="0"/>
-              <a:t> e individual.</a:t>
+            <a:endParaRPr lang="en-GB" dirty="0">
+              <a:hlinkClick r:id="rId2"/>
+            </a:endParaRPr>
+          </a:p>
+          <a:p>
+            <a:pPr marL="0" indent="0">
+              <a:buNone/>
+            </a:pPr>
+            <a:r>
+              <a:rPr lang="en-GB" dirty="0">
+                <a:hlinkClick r:id="rId2"/>
+              </a:rPr>
+              <a:t>https://1drv.ms/u/s!AlMj8cdErzRZaUGsfummX-8yX00?e=LRSCHl</a:t>
+            </a:r>
+            <a:endParaRPr dirty="0">
+              <a:hlinkClick r:id="rId2"/>
+            </a:endParaRPr>
+          </a:p>
+          <a:p>
+            <a:pPr marL="0" indent="0">
+              <a:spcBef>
+                <a:spcPts val="3000"/>
+              </a:spcBef>
+              <a:buNone/>
+            </a:pPr>
+            <a:r>
+              <a:rPr b="1" dirty="0"/>
+              <a:t>Lugar y hora</a:t>
+            </a:r>
+          </a:p>
+          <a:p>
+            <a:pPr marL="0" indent="0">
+              <a:buNone/>
+            </a:pPr>
+            <a:r>
+              <a:rPr dirty="0" err="1"/>
+              <a:t>Miércoles</a:t>
+            </a:r>
+            <a:r>
+              <a:rPr dirty="0"/>
+              <a:t>. Salón 209. 4 a 7 pm.</a:t>
             </a:r>
           </a:p>
         </p:txBody>
@@ -6380,8 +7452,38 @@
           <a:lstStyle/>
           <a:p>
             <a:r>
-              <a:rPr lang="en-GB" dirty="0"/>
-              <a:t>Segunda</a:t>
+              <a:t>Evaluación</a:t>
+            </a:r>
+          </a:p>
+        </p:txBody>
+      </p:sp>
+      <p:sp>
+        <p:nvSpPr>
+          <p:cNvPr id="3" name="Content Placeholder 2"/>
+          <p:cNvSpPr>
+            <a:spLocks noGrp="1"/>
+          </p:cNvSpPr>
+          <p:nvPr>
+            <p:ph idx="1"/>
+          </p:nvPr>
+        </p:nvSpPr>
+        <p:spPr/>
+        <p:txBody>
+          <a:bodyPr>
+            <a:normAutofit/>
+          </a:bodyPr>
+          <a:lstStyle/>
+          <a:p>
+            <a:pPr marL="0" indent="0">
+              <a:buNone/>
+            </a:pPr>
+            <a:r>
+              <a:rPr dirty="0"/>
+              <a:t>Se </a:t>
+            </a:r>
+            <a:r>
+              <a:rPr dirty="0" err="1"/>
+              <a:t>utilizarán</a:t>
             </a:r>
             <a:r>
               <a:rPr dirty="0"/>
@@ -6389,137 +7491,378 @@
             </a:r>
             <a:r>
               <a:rPr dirty="0" err="1"/>
-              <a:t>parte</a:t>
-            </a:r>
-            <a:endParaRPr dirty="0"/>
-          </a:p>
-        </p:txBody>
-      </p:sp>
-      <p:sp>
-        <p:nvSpPr>
-          <p:cNvPr id="3" name="Content Placeholder 2"/>
-          <p:cNvSpPr>
-            <a:spLocks noGrp="1"/>
-          </p:cNvSpPr>
-          <p:nvPr>
-            <p:ph idx="1"/>
-          </p:nvPr>
-        </p:nvSpPr>
-        <p:spPr/>
-        <p:txBody>
-          <a:bodyPr/>
-          <a:lstStyle/>
-          <a:p>
-            <a:pPr marL="0" indent="0">
-              <a:buNone/>
-            </a:pPr>
-            <a:r>
-              <a:rPr dirty="0"/>
-              <a:t>Las </a:t>
-            </a:r>
-            <a:r>
-              <a:rPr dirty="0" err="1"/>
-              <a:t>preguntas</a:t>
-            </a:r>
-            <a:r>
-              <a:rPr dirty="0"/>
-              <a:t> son las </a:t>
-            </a:r>
-            <a:r>
-              <a:rPr dirty="0" err="1"/>
-              <a:t>siguientes</a:t>
-            </a:r>
-            <a:r>
-              <a:rPr dirty="0"/>
-              <a:t>:</a:t>
+              <a:t>tres</a:t>
+            </a:r>
+            <a:r>
+              <a:rPr dirty="0"/>
+              <a:t> </a:t>
+            </a:r>
+            <a:r>
+              <a:rPr dirty="0" err="1"/>
+              <a:t>ejercicios</a:t>
+            </a:r>
+            <a:r>
+              <a:rPr dirty="0"/>
+              <a:t> para </a:t>
+            </a:r>
+            <a:r>
+              <a:rPr dirty="0" err="1"/>
+              <a:t>valorar</a:t>
+            </a:r>
+            <a:r>
+              <a:rPr dirty="0"/>
+              <a:t> los </a:t>
+            </a:r>
+            <a:r>
+              <a:rPr dirty="0" err="1"/>
+              <a:t>contenidos</a:t>
+            </a:r>
+            <a:r>
+              <a:rPr dirty="0"/>
+              <a:t> que los </a:t>
+            </a:r>
+            <a:r>
+              <a:rPr dirty="0" err="1"/>
+              <a:t>alumnos</a:t>
+            </a:r>
+            <a:r>
+              <a:rPr dirty="0"/>
+              <a:t> </a:t>
+            </a:r>
+            <a:r>
+              <a:rPr dirty="0" err="1"/>
+              <a:t>manejan</a:t>
+            </a:r>
+            <a:r>
+              <a:rPr dirty="0"/>
+              <a:t> con </a:t>
+            </a:r>
+            <a:r>
+              <a:rPr dirty="0" err="1"/>
+              <a:t>confianza</a:t>
+            </a:r>
+            <a:r>
+              <a:rPr dirty="0"/>
+              <a:t> y </a:t>
+            </a:r>
+            <a:r>
+              <a:rPr dirty="0" err="1"/>
+              <a:t>aquellos</a:t>
+            </a:r>
+            <a:r>
+              <a:rPr dirty="0"/>
+              <a:t> que </a:t>
+            </a:r>
+            <a:r>
+              <a:rPr dirty="0" err="1"/>
+              <a:t>necesitan</a:t>
+            </a:r>
+            <a:r>
+              <a:rPr dirty="0"/>
+              <a:t> </a:t>
+            </a:r>
+            <a:r>
+              <a:rPr dirty="0" err="1"/>
+              <a:t>reforzarse</a:t>
+            </a:r>
+            <a:r>
+              <a:rPr dirty="0"/>
+              <a:t>.</a:t>
+            </a:r>
+          </a:p>
+          <a:p>
+            <a:pPr lvl="1"/>
+            <a:r>
+              <a:rPr dirty="0"/>
+              <a:t>Dos </a:t>
+            </a:r>
+            <a:r>
+              <a:rPr dirty="0" err="1"/>
+              <a:t>ejercicios</a:t>
+            </a:r>
+            <a:r>
+              <a:rPr dirty="0"/>
+              <a:t> que </a:t>
+            </a:r>
+            <a:r>
+              <a:rPr dirty="0" err="1"/>
+              <a:t>combinan</a:t>
+            </a:r>
+            <a:r>
+              <a:rPr dirty="0"/>
+              <a:t> </a:t>
+            </a:r>
+            <a:r>
+              <a:rPr dirty="0" err="1"/>
+              <a:t>análisis</a:t>
+            </a:r>
+            <a:r>
+              <a:rPr dirty="0"/>
+              <a:t> </a:t>
+            </a:r>
+            <a:r>
+              <a:rPr dirty="0" err="1"/>
+              <a:t>crítico</a:t>
+            </a:r>
+            <a:r>
+              <a:rPr dirty="0"/>
+              <a:t> y </a:t>
+            </a:r>
+            <a:r>
+              <a:rPr dirty="0" err="1"/>
+              <a:t>aplicaciones</a:t>
+            </a:r>
+            <a:r>
+              <a:rPr dirty="0"/>
+              <a:t>.</a:t>
+            </a:r>
+          </a:p>
+          <a:p>
+            <a:pPr lvl="1"/>
+            <a:r>
+              <a:rPr dirty="0"/>
+              <a:t>Un </a:t>
+            </a:r>
+            <a:r>
+              <a:rPr dirty="0" err="1"/>
+              <a:t>ejercicio</a:t>
+            </a:r>
+            <a:r>
+              <a:rPr dirty="0"/>
+              <a:t> final que </a:t>
+            </a:r>
+            <a:r>
+              <a:rPr dirty="0" err="1"/>
+              <a:t>consiste</a:t>
+            </a:r>
+            <a:r>
+              <a:rPr dirty="0"/>
+              <a:t> </a:t>
+            </a:r>
+            <a:r>
+              <a:rPr dirty="0" err="1"/>
+              <a:t>en</a:t>
+            </a:r>
+            <a:r>
+              <a:rPr dirty="0"/>
+              <a:t> </a:t>
+            </a:r>
+            <a:r>
+              <a:rPr dirty="0" err="1"/>
+              <a:t>producir</a:t>
+            </a:r>
+            <a:r>
+              <a:rPr dirty="0"/>
+              <a:t> una </a:t>
+            </a:r>
+            <a:r>
+              <a:rPr dirty="0" err="1"/>
+              <a:t>medida</a:t>
+            </a:r>
+            <a:r>
+              <a:rPr dirty="0"/>
+              <a:t> </a:t>
+            </a:r>
+            <a:r>
+              <a:rPr dirty="0" err="1"/>
+              <a:t>válida</a:t>
+            </a:r>
+            <a:r>
+              <a:rPr dirty="0"/>
+              <a:t> y </a:t>
+            </a:r>
+            <a:r>
+              <a:rPr dirty="0" err="1"/>
+              <a:t>confiable</a:t>
+            </a:r>
+            <a:r>
+              <a:rPr dirty="0"/>
+              <a:t>.</a:t>
             </a:r>
             <a:endParaRPr lang="en-GB" dirty="0"/>
           </a:p>
           <a:p>
-            <a:pPr marL="0" indent="0">
+            <a:pPr lvl="1"/>
+            <a:endParaRPr lang="en-GB" dirty="0"/>
+          </a:p>
+          <a:p>
+            <a:pPr marL="457188" lvl="1" indent="0">
               <a:buNone/>
             </a:pPr>
             <a:endParaRPr dirty="0"/>
           </a:p>
           <a:p>
-            <a:pPr marL="0" indent="0">
-              <a:buNone/>
-            </a:pPr>
-            <a:r>
-              <a:rPr b="1" dirty="0"/>
-              <a:t>¿Por </a:t>
-            </a:r>
-            <a:r>
-              <a:rPr b="1" dirty="0" err="1"/>
-              <a:t>qué</a:t>
-            </a:r>
-            <a:r>
-              <a:rPr b="1" dirty="0"/>
+            <a:pPr lvl="1"/>
+            <a:r>
+              <a:rPr dirty="0"/>
+              <a:t>Nuestra </a:t>
+            </a:r>
+            <a:r>
+              <a:rPr dirty="0" err="1"/>
+              <a:t>prioridad</a:t>
+            </a:r>
+            <a:r>
+              <a:rPr dirty="0"/>
+              <a:t> es que </a:t>
+            </a:r>
+            <a:r>
+              <a:rPr dirty="0" err="1"/>
+              <a:t>aprendan</a:t>
+            </a:r>
+            <a:r>
+              <a:rPr dirty="0"/>
+              <a:t> y les sea </a:t>
+            </a:r>
+            <a:r>
+              <a:rPr dirty="0" err="1"/>
+              <a:t>útil</a:t>
+            </a:r>
+            <a:r>
+              <a:rPr dirty="0"/>
               <a:t> el </a:t>
             </a:r>
             <a:r>
-              <a:rPr b="1" dirty="0" err="1"/>
+              <a:rPr dirty="0" err="1"/>
               <a:t>curso</a:t>
             </a:r>
             <a:r>
-              <a:rPr b="1" dirty="0"/>
-              <a:t> se llama </a:t>
-            </a:r>
-            <a:r>
-              <a:rPr b="1" dirty="0" err="1"/>
-              <a:t>así</a:t>
-            </a:r>
-            <a:r>
-              <a:rPr b="1" dirty="0"/>
-              <a:t>?</a:t>
-            </a:r>
-            <a:endParaRPr lang="en-GB" b="1" dirty="0"/>
-          </a:p>
-          <a:p>
-            <a:pPr marL="0" indent="0">
-              <a:buNone/>
-            </a:pPr>
-            <a:endParaRPr b="1" dirty="0"/>
-          </a:p>
-          <a:p>
-            <a:pPr marL="0" indent="0">
-              <a:buNone/>
-            </a:pPr>
-            <a:r>
-              <a:rPr b="1" dirty="0"/>
-              <a:t>¿Por </a:t>
-            </a:r>
-            <a:r>
-              <a:rPr b="1" dirty="0" err="1"/>
-              <a:t>qué</a:t>
-            </a:r>
-            <a:r>
-              <a:rPr b="1" dirty="0"/>
+              <a:rPr dirty="0"/>
+              <a:t>. </a:t>
+            </a:r>
+            <a:r>
+              <a:rPr dirty="0" err="1"/>
+              <a:t>Su</a:t>
+            </a:r>
+            <a:r>
+              <a:rPr dirty="0"/>
+              <a:t> </a:t>
+            </a:r>
+            <a:r>
+              <a:rPr dirty="0" err="1"/>
+              <a:t>aprendizaje</a:t>
+            </a:r>
+            <a:r>
+              <a:rPr dirty="0"/>
+              <a:t> </a:t>
+            </a:r>
+            <a:r>
+              <a:rPr dirty="0" err="1"/>
+              <a:t>tendrá</a:t>
+            </a:r>
+            <a:r>
+              <a:rPr dirty="0"/>
+              <a:t> una </a:t>
+            </a:r>
+            <a:r>
+              <a:rPr dirty="0" err="1"/>
+              <a:t>expresión</a:t>
+            </a:r>
+            <a:r>
+              <a:rPr dirty="0"/>
+              <a:t> </a:t>
+            </a:r>
+            <a:r>
+              <a:rPr dirty="0" err="1"/>
+              <a:t>númerica</a:t>
+            </a:r>
+            <a:r>
+              <a:rPr dirty="0"/>
+              <a:t> no tanto </a:t>
+            </a:r>
+            <a:r>
+              <a:rPr dirty="0" err="1"/>
+              <a:t>basada</a:t>
+            </a:r>
+            <a:r>
+              <a:rPr dirty="0"/>
+              <a:t> </a:t>
+            </a:r>
+            <a:r>
+              <a:rPr dirty="0" err="1"/>
+              <a:t>en</a:t>
+            </a:r>
+            <a:r>
+              <a:rPr dirty="0"/>
+              <a:t> </a:t>
+            </a:r>
+            <a:r>
+              <a:rPr dirty="0" err="1"/>
+              <a:t>resultados</a:t>
+            </a:r>
+            <a:r>
+              <a:rPr dirty="0"/>
+              <a:t> </a:t>
+            </a:r>
+            <a:r>
+              <a:rPr dirty="0" err="1"/>
+              <a:t>sino</a:t>
+            </a:r>
+            <a:r>
+              <a:rPr dirty="0"/>
+              <a:t> </a:t>
+            </a:r>
+            <a:r>
+              <a:rPr dirty="0" err="1"/>
+              <a:t>en</a:t>
+            </a:r>
+            <a:r>
+              <a:rPr dirty="0"/>
               <a:t> el </a:t>
             </a:r>
             <a:r>
-              <a:rPr b="1" dirty="0" err="1"/>
-              <a:t>curso</a:t>
-            </a:r>
-            <a:r>
-              <a:rPr b="1" dirty="0"/>
-              <a:t> es </a:t>
-            </a:r>
-            <a:r>
-              <a:rPr b="1" dirty="0" err="1"/>
-              <a:t>importante</a:t>
-            </a:r>
-            <a:r>
-              <a:rPr b="1" dirty="0"/>
-              <a:t> y </a:t>
-            </a:r>
-            <a:r>
-              <a:rPr b="1" dirty="0" err="1"/>
-              <a:t>útil</a:t>
-            </a:r>
-            <a:r>
-              <a:rPr b="1" dirty="0"/>
-              <a:t>?</a:t>
+              <a:rPr dirty="0" err="1"/>
+              <a:t>proceso</a:t>
+            </a:r>
+            <a:r>
+              <a:rPr dirty="0"/>
+              <a:t>.</a:t>
+            </a:r>
+          </a:p>
+          <a:p>
+            <a:pPr lvl="1"/>
+            <a:r>
+              <a:rPr dirty="0"/>
+              <a:t>Los </a:t>
+            </a:r>
+            <a:r>
+              <a:rPr dirty="0" err="1"/>
+              <a:t>ejercicios</a:t>
+            </a:r>
+            <a:r>
+              <a:rPr dirty="0"/>
+              <a:t> </a:t>
+            </a:r>
+            <a:r>
+              <a:rPr dirty="0" err="1"/>
+              <a:t>nos</a:t>
+            </a:r>
+            <a:r>
+              <a:rPr dirty="0"/>
+              <a:t> </a:t>
+            </a:r>
+            <a:r>
+              <a:rPr dirty="0" err="1"/>
+              <a:t>indicarán</a:t>
+            </a:r>
+            <a:r>
+              <a:rPr dirty="0"/>
+              <a:t> la </a:t>
+            </a:r>
+            <a:r>
+              <a:rPr dirty="0" err="1"/>
+              <a:t>evolución</a:t>
+            </a:r>
+            <a:r>
+              <a:rPr dirty="0"/>
+              <a:t> del </a:t>
+            </a:r>
+            <a:r>
+              <a:rPr dirty="0" err="1"/>
+              <a:t>grupo</a:t>
+            </a:r>
+            <a:r>
+              <a:rPr dirty="0"/>
+              <a:t> e individual.</a:t>
             </a:r>
           </a:p>
         </p:txBody>
@@ -6565,8 +7908,18 @@
           <a:lstStyle/>
           <a:p>
             <a:r>
-              <a:t>Ecuaciones estructurales (SEM)</a:t>
-            </a:r>
+              <a:rPr lang="en-GB" dirty="0"/>
+              <a:t>Segunda</a:t>
+            </a:r>
+            <a:r>
+              <a:rPr dirty="0"/>
+              <a:t> </a:t>
+            </a:r>
+            <a:r>
+              <a:rPr dirty="0" err="1"/>
+              <a:t>parte</a:t>
+            </a:r>
+            <a:endParaRPr dirty="0"/>
           </a:p>
         </p:txBody>
       </p:sp>
@@ -6582,448 +7935,119 @@
         </p:nvSpPr>
         <p:spPr/>
         <p:txBody>
-          <a:bodyPr>
-            <a:normAutofit/>
-          </a:bodyPr>
+          <a:bodyPr/>
           <a:lstStyle/>
           <a:p>
-            <a:pPr lvl="1"/>
-            <a:r>
-              <a:rPr dirty="0"/>
-              <a:t>SEM es la </a:t>
-            </a:r>
-            <a:r>
-              <a:rPr dirty="0" err="1"/>
-              <a:t>culminación</a:t>
-            </a:r>
-            <a:r>
-              <a:rPr dirty="0"/>
-              <a:t> de </a:t>
-            </a:r>
-            <a:r>
-              <a:rPr dirty="0" err="1"/>
-              <a:t>más</a:t>
-            </a:r>
-            <a:r>
-              <a:rPr dirty="0"/>
-              <a:t> de 100 </a:t>
-            </a:r>
-            <a:r>
-              <a:rPr dirty="0" err="1"/>
-              <a:t>años</a:t>
-            </a:r>
-            <a:r>
-              <a:rPr dirty="0"/>
-              <a:t> de </a:t>
-            </a:r>
-            <a:r>
-              <a:rPr dirty="0" err="1"/>
-              <a:t>evolución</a:t>
-            </a:r>
-            <a:r>
-              <a:rPr dirty="0"/>
-              <a:t> de </a:t>
-            </a:r>
-            <a:r>
-              <a:rPr dirty="0" err="1"/>
-              <a:t>teoría</a:t>
-            </a:r>
-            <a:r>
-              <a:rPr dirty="0"/>
-              <a:t> </a:t>
-            </a:r>
-            <a:r>
-              <a:rPr dirty="0" err="1"/>
-              <a:t>estadística</a:t>
-            </a:r>
+            <a:pPr marL="0" indent="0">
+              <a:buNone/>
+            </a:pPr>
+            <a:r>
+              <a:rPr dirty="0"/>
+              <a:t>Las </a:t>
+            </a:r>
+            <a:r>
+              <a:rPr dirty="0" err="1"/>
+              <a:t>preguntas</a:t>
+            </a:r>
+            <a:r>
+              <a:rPr dirty="0"/>
+              <a:t> son las </a:t>
+            </a:r>
+            <a:r>
+              <a:rPr dirty="0" err="1"/>
+              <a:t>siguientes</a:t>
+            </a:r>
+            <a:r>
+              <a:rPr dirty="0"/>
+              <a:t>:</a:t>
+            </a:r>
+            <a:endParaRPr lang="en-GB" dirty="0"/>
+          </a:p>
+          <a:p>
+            <a:pPr marL="0" indent="0">
+              <a:buNone/>
+            </a:pPr>
             <a:endParaRPr dirty="0"/>
           </a:p>
           <a:p>
-            <a:pPr lvl="1"/>
-            <a:r>
-              <a:rPr dirty="0" err="1"/>
-              <a:t>Empezó</a:t>
-            </a:r>
-            <a:r>
-              <a:rPr dirty="0"/>
-              <a:t> con Spearman (1904), </a:t>
-            </a:r>
-            <a:r>
-              <a:rPr dirty="0" err="1"/>
-              <a:t>pasando</a:t>
-            </a:r>
-            <a:r>
-              <a:rPr dirty="0"/>
-              <a:t> por Thurstone, </a:t>
-            </a:r>
-            <a:r>
-              <a:rPr dirty="0" err="1"/>
-              <a:t>Throndike</a:t>
-            </a:r>
-            <a:r>
-              <a:rPr dirty="0"/>
-              <a:t>, Hagen, </a:t>
-            </a:r>
-            <a:r>
-              <a:rPr dirty="0" err="1"/>
-              <a:t>Joreskog</a:t>
-            </a:r>
-            <a:r>
-              <a:rPr dirty="0"/>
+            <a:pPr marL="0" indent="0">
+              <a:buNone/>
+            </a:pPr>
+            <a:r>
+              <a:rPr b="1" dirty="0"/>
+              <a:t>¿Por </a:t>
+            </a:r>
+            <a:r>
+              <a:rPr b="1" dirty="0" err="1"/>
+              <a:t>qué</a:t>
+            </a:r>
+            <a:r>
+              <a:rPr b="1" dirty="0"/>
+              <a:t> el </a:t>
+            </a:r>
+            <a:r>
+              <a:rPr b="1" dirty="0" err="1"/>
+              <a:t>curso</a:t>
+            </a:r>
+            <a:r>
+              <a:rPr b="1" dirty="0"/>
+              <a:t> se llama </a:t>
+            </a:r>
+            <a:r>
+              <a:rPr b="1" dirty="0" err="1"/>
+              <a:t>así</a:t>
+            </a:r>
+            <a:r>
+              <a:rPr b="1" dirty="0"/>
+              <a:t>?</a:t>
+            </a:r>
+            <a:endParaRPr lang="en-GB" b="1" dirty="0"/>
+          </a:p>
+          <a:p>
+            <a:pPr marL="0" indent="0">
+              <a:buNone/>
+            </a:pPr>
+            <a:endParaRPr b="1" dirty="0"/>
+          </a:p>
+          <a:p>
+            <a:pPr marL="0" indent="0">
+              <a:buNone/>
+            </a:pPr>
+            <a:r>
+              <a:rPr b="1" dirty="0"/>
+              <a:t>¿Por </a:t>
+            </a:r>
+            <a:r>
+              <a:rPr b="1" dirty="0" err="1"/>
+              <a:t>qué</a:t>
+            </a:r>
+            <a:r>
+              <a:rPr b="1" dirty="0"/>
+              <a:t> el </a:t>
+            </a:r>
+            <a:r>
+              <a:rPr b="1" dirty="0" err="1"/>
+              <a:t>curso</a:t>
+            </a:r>
+            <a:r>
+              <a:rPr b="1" dirty="0"/>
+              <a:t> es </a:t>
+            </a:r>
+            <a:r>
+              <a:rPr b="1" dirty="0" err="1"/>
+              <a:t>importante</a:t>
+            </a:r>
+            <a:r>
+              <a:rPr b="1" dirty="0"/>
               <a:t> y </a:t>
             </a:r>
             <a:r>
-              <a:rPr dirty="0" err="1"/>
-              <a:t>culminando</a:t>
-            </a:r>
-            <a:r>
-              <a:rPr dirty="0"/>
-              <a:t> con el </a:t>
-            </a:r>
-            <a:r>
-              <a:rPr dirty="0" err="1"/>
-              <a:t>trabajo</a:t>
-            </a:r>
-            <a:r>
-              <a:rPr dirty="0"/>
-              <a:t> de </a:t>
-            </a:r>
-            <a:r>
-              <a:rPr dirty="0" err="1"/>
-              <a:t>Muthen</a:t>
-            </a:r>
-            <a:r>
-              <a:rPr dirty="0"/>
-              <a:t>.</a:t>
-            </a:r>
-          </a:p>
-          <a:p>
-            <a:pPr lvl="1"/>
-            <a:r>
-              <a:rPr dirty="0"/>
-              <a:t>Durante </a:t>
-            </a:r>
-            <a:r>
-              <a:rPr dirty="0" err="1"/>
-              <a:t>años</a:t>
-            </a:r>
-            <a:r>
-              <a:rPr dirty="0"/>
-              <a:t>, el </a:t>
-            </a:r>
-            <a:r>
-              <a:rPr dirty="0" err="1"/>
-              <a:t>analisis</a:t>
-            </a:r>
-            <a:r>
-              <a:rPr dirty="0"/>
-              <a:t> de </a:t>
-            </a:r>
-            <a:r>
-              <a:rPr dirty="0" err="1"/>
-              <a:t>correlación</a:t>
-            </a:r>
-            <a:r>
-              <a:rPr dirty="0"/>
-              <a:t>, el </a:t>
-            </a:r>
-            <a:r>
-              <a:rPr dirty="0" err="1"/>
-              <a:t>análisis</a:t>
-            </a:r>
-            <a:r>
-              <a:rPr dirty="0"/>
-              <a:t> factorial, el </a:t>
-            </a:r>
-            <a:r>
-              <a:rPr dirty="0" err="1"/>
-              <a:t>marco</a:t>
-            </a:r>
-            <a:r>
-              <a:rPr dirty="0"/>
-              <a:t> de </a:t>
-            </a:r>
-            <a:r>
-              <a:rPr dirty="0" err="1"/>
-              <a:t>medición</a:t>
-            </a:r>
-            <a:r>
-              <a:rPr dirty="0"/>
-              <a:t> </a:t>
-            </a:r>
-            <a:r>
-              <a:rPr dirty="0" err="1"/>
-              <a:t>clásico</a:t>
-            </a:r>
-            <a:r>
-              <a:rPr dirty="0"/>
-              <a:t> y el de variables </a:t>
-            </a:r>
-            <a:r>
-              <a:rPr dirty="0" err="1"/>
-              <a:t>latentes</a:t>
-            </a:r>
-            <a:r>
-              <a:rPr dirty="0"/>
-              <a:t> </a:t>
-            </a:r>
-            <a:r>
-              <a:rPr dirty="0" err="1"/>
-              <a:t>permanecieron</a:t>
-            </a:r>
-            <a:r>
-              <a:rPr dirty="0"/>
-              <a:t> </a:t>
-            </a:r>
-            <a:r>
-              <a:rPr dirty="0" err="1"/>
-              <a:t>vagamente</a:t>
-            </a:r>
-            <a:r>
-              <a:rPr dirty="0"/>
-              <a:t> </a:t>
-            </a:r>
-            <a:r>
-              <a:rPr dirty="0" err="1"/>
-              <a:t>conectados</a:t>
-            </a:r>
-            <a:r>
-              <a:rPr dirty="0"/>
-              <a:t>.</a:t>
-            </a:r>
-          </a:p>
-          <a:p>
-            <a:pPr lvl="1"/>
-            <a:r>
-              <a:rPr dirty="0"/>
-              <a:t>Como </a:t>
-            </a:r>
-            <a:r>
-              <a:rPr dirty="0" err="1"/>
-              <a:t>todas</a:t>
-            </a:r>
-            <a:r>
-              <a:rPr dirty="0"/>
-              <a:t> las </a:t>
-            </a:r>
-            <a:r>
-              <a:rPr dirty="0" err="1"/>
-              <a:t>grandes</a:t>
-            </a:r>
-            <a:r>
-              <a:rPr dirty="0"/>
-              <a:t> ideas hay </a:t>
-            </a:r>
-            <a:r>
-              <a:rPr dirty="0" err="1"/>
-              <a:t>grupos</a:t>
-            </a:r>
-            <a:r>
-              <a:rPr dirty="0"/>
-              <a:t> de </a:t>
-            </a:r>
-            <a:r>
-              <a:rPr dirty="0" err="1"/>
-              <a:t>gente</a:t>
-            </a:r>
-            <a:r>
-              <a:rPr dirty="0"/>
-              <a:t> </a:t>
-            </a:r>
-            <a:r>
-              <a:rPr dirty="0" err="1"/>
-              <a:t>apuntanto</a:t>
-            </a:r>
-            <a:r>
-              <a:rPr dirty="0"/>
-              <a:t> al </a:t>
-            </a:r>
-            <a:r>
-              <a:rPr dirty="0" err="1"/>
-              <a:t>mismo</a:t>
-            </a:r>
-            <a:r>
-              <a:rPr dirty="0"/>
-              <a:t> l</a:t>
-            </a:r>
-            <a:r>
-              <a:rPr lang="en-GB" dirty="0" err="1"/>
-              <a:t>ugar</a:t>
-            </a:r>
-            <a:r>
-              <a:rPr dirty="0"/>
-              <a:t>.</a:t>
-            </a:r>
-          </a:p>
-          <a:p>
-            <a:pPr lvl="1"/>
-            <a:r>
-              <a:rPr dirty="0" err="1"/>
-              <a:t>Cudeck</a:t>
-            </a:r>
-            <a:r>
-              <a:rPr dirty="0"/>
-              <a:t> and MacCallum (2012) </a:t>
-            </a:r>
-            <a:r>
-              <a:rPr dirty="0" err="1"/>
-              <a:t>tiene</a:t>
-            </a:r>
-            <a:r>
-              <a:rPr dirty="0"/>
-              <a:t> una gran </a:t>
-            </a:r>
-            <a:r>
-              <a:rPr dirty="0" err="1"/>
-              <a:t>definicion</a:t>
-            </a:r>
-            <a:r>
-              <a:rPr dirty="0"/>
-              <a:t>: </a:t>
-            </a:r>
-            <a:r>
-              <a:rPr i="1" dirty="0"/>
-              <a:t>“</a:t>
-            </a:r>
-            <a:r>
-              <a:rPr i="1" dirty="0" err="1"/>
-              <a:t>Desde</a:t>
-            </a:r>
-            <a:r>
-              <a:rPr i="1" dirty="0"/>
-              <a:t> una </a:t>
-            </a:r>
-            <a:r>
-              <a:rPr i="1" dirty="0" err="1"/>
-              <a:t>perspectiva</a:t>
-            </a:r>
-            <a:r>
-              <a:rPr i="1" dirty="0"/>
-              <a:t> </a:t>
-            </a:r>
-            <a:r>
-              <a:rPr i="1" dirty="0" err="1"/>
-              <a:t>moderna</a:t>
-            </a:r>
-            <a:r>
-              <a:rPr i="1" dirty="0"/>
-              <a:t> </a:t>
-            </a:r>
-            <a:r>
-              <a:rPr i="1" dirty="0" err="1"/>
-              <a:t>tiene</a:t>
-            </a:r>
-            <a:r>
-              <a:rPr i="1" dirty="0"/>
-              <a:t> </a:t>
-            </a:r>
-            <a:r>
-              <a:rPr i="1" dirty="0" err="1"/>
-              <a:t>todos</a:t>
-            </a:r>
-            <a:r>
-              <a:rPr i="1" dirty="0"/>
-              <a:t> los </a:t>
-            </a:r>
-            <a:r>
-              <a:rPr i="1" dirty="0" err="1"/>
-              <a:t>elementos</a:t>
-            </a:r>
-            <a:r>
-              <a:rPr i="1" dirty="0"/>
-              <a:t> de </a:t>
-            </a:r>
-            <a:r>
-              <a:rPr i="1" dirty="0" err="1"/>
-              <a:t>ciencia</a:t>
-            </a:r>
-            <a:r>
-              <a:rPr i="1" dirty="0"/>
-              <a:t> de </a:t>
-            </a:r>
-            <a:r>
-              <a:rPr i="1" dirty="0" err="1"/>
-              <a:t>excelencia</a:t>
-            </a:r>
-            <a:r>
-              <a:rPr i="1" dirty="0"/>
-              <a:t>: una </a:t>
-            </a:r>
-            <a:r>
-              <a:rPr i="1" dirty="0" err="1"/>
-              <a:t>teoría</a:t>
-            </a:r>
-            <a:r>
-              <a:rPr i="1" dirty="0"/>
-              <a:t> </a:t>
-            </a:r>
-            <a:r>
-              <a:rPr i="1" dirty="0" err="1"/>
-              <a:t>sustantiva</a:t>
-            </a:r>
-            <a:r>
-              <a:rPr i="1" dirty="0"/>
-              <a:t>, y un </a:t>
-            </a:r>
-            <a:r>
-              <a:rPr i="1" dirty="0" err="1"/>
-              <a:t>modelo</a:t>
-            </a:r>
-            <a:r>
-              <a:rPr i="1" dirty="0"/>
-              <a:t> formal que se </a:t>
-            </a:r>
-            <a:r>
-              <a:rPr i="1" dirty="0" err="1"/>
-              <a:t>basa</a:t>
-            </a:r>
-            <a:r>
-              <a:rPr i="1" dirty="0"/>
-              <a:t> </a:t>
-            </a:r>
-            <a:r>
-              <a:rPr i="1" dirty="0" err="1"/>
-              <a:t>en</a:t>
-            </a:r>
-            <a:r>
-              <a:rPr i="1" dirty="0"/>
-              <a:t> </a:t>
-            </a:r>
-            <a:r>
-              <a:rPr i="1" dirty="0" err="1"/>
-              <a:t>teoría</a:t>
-            </a:r>
-            <a:r>
-              <a:rPr i="1" dirty="0"/>
-              <a:t> que </a:t>
-            </a:r>
-            <a:r>
-              <a:rPr i="1" dirty="0" err="1"/>
-              <a:t>considera</a:t>
-            </a:r>
-            <a:r>
-              <a:rPr i="1" dirty="0"/>
-              <a:t> la </a:t>
-            </a:r>
-            <a:r>
-              <a:rPr i="1" dirty="0" err="1"/>
-              <a:t>dimensión</a:t>
-            </a:r>
-            <a:r>
-              <a:rPr i="1" dirty="0"/>
-              <a:t> </a:t>
-            </a:r>
-            <a:r>
-              <a:rPr i="1" dirty="0" err="1"/>
-              <a:t>empírica</a:t>
-            </a:r>
-            <a:r>
-              <a:rPr i="1" dirty="0"/>
-              <a:t>”</a:t>
-            </a:r>
-            <a:r>
-              <a:rPr dirty="0"/>
-              <a:t> (p.3)</a:t>
+              <a:rPr b="1" dirty="0" err="1"/>
+              <a:t>útil</a:t>
+            </a:r>
+            <a:r>
+              <a:rPr b="1" dirty="0"/>
+              <a:t>?</a:t>
             </a:r>
           </a:p>
         </p:txBody>
@@ -7033,281 +8057,6 @@
   <p:clrMapOvr>
     <a:masterClrMapping/>
   </p:clrMapOvr>
-  <p:timing>
-    <p:tnLst>
-      <p:par>
-        <p:cTn id="1" dur="indefinite" restart="never" nodeType="tmRoot">
-          <p:childTnLst>
-            <p:seq concurrent="1" nextAc="seek">
-              <p:cTn id="2" dur="indefinite" nodeType="mainSeq">
-                <p:childTnLst>
-                  <p:par>
-                    <p:cTn id="3" fill="hold">
-                      <p:stCondLst>
-                        <p:cond delay="indefinite"/>
-                      </p:stCondLst>
-                      <p:childTnLst>
-                        <p:par>
-                          <p:cTn id="4" fill="hold">
-                            <p:stCondLst>
-                              <p:cond delay="0"/>
-                            </p:stCondLst>
-                            <p:childTnLst>
-                              <p:par>
-                                <p:cTn id="5" presetID="1" presetClass="entr" presetSubtype="0" fill="hold" nodeType="clickEffect">
-                                  <p:stCondLst>
-                                    <p:cond delay="0"/>
-                                  </p:stCondLst>
-                                  <p:childTnLst>
-                                    <p:set>
-                                      <p:cBhvr>
-                                        <p:cTn id="6" dur="1" fill="hold">
-                                          <p:stCondLst>
-                                            <p:cond delay="0"/>
-                                          </p:stCondLst>
-                                        </p:cTn>
-                                        <p:tgtEl>
-                                          <p:spTgt spid="3">
-                                            <p:txEl>
-                                              <p:pRg st="0" end="0"/>
-                                            </p:txEl>
-                                          </p:spTgt>
-                                        </p:tgtEl>
-                                        <p:attrNameLst>
-                                          <p:attrName>style.visibility</p:attrName>
-                                        </p:attrNameLst>
-                                      </p:cBhvr>
-                                      <p:to>
-                                        <p:strVal val="visible"/>
-                                      </p:to>
-                                    </p:set>
-                                  </p:childTnLst>
-                                </p:cTn>
-                              </p:par>
-                            </p:childTnLst>
-                          </p:cTn>
-                        </p:par>
-                      </p:childTnLst>
-                    </p:cTn>
-                  </p:par>
-                  <p:par>
-                    <p:cTn id="7" fill="hold">
-                      <p:stCondLst>
-                        <p:cond delay="indefinite"/>
-                      </p:stCondLst>
-                      <p:childTnLst>
-                        <p:par>
-                          <p:cTn id="8" fill="hold">
-                            <p:stCondLst>
-                              <p:cond delay="0"/>
-                            </p:stCondLst>
-                            <p:childTnLst>
-                              <p:par>
-                                <p:cTn id="9" presetID="1" presetClass="entr" presetSubtype="0" fill="hold" nodeType="clickEffect">
-                                  <p:stCondLst>
-                                    <p:cond delay="0"/>
-                                  </p:stCondLst>
-                                  <p:childTnLst>
-                                    <p:set>
-                                      <p:cBhvr>
-                                        <p:cTn id="10" dur="1" fill="hold">
-                                          <p:stCondLst>
-                                            <p:cond delay="0"/>
-                                          </p:stCondLst>
-                                        </p:cTn>
-                                        <p:tgtEl>
-                                          <p:spTgt spid="3">
-                                            <p:txEl>
-                                              <p:pRg st="1" end="1"/>
-                                            </p:txEl>
-                                          </p:spTgt>
-                                        </p:tgtEl>
-                                        <p:attrNameLst>
-                                          <p:attrName>style.visibility</p:attrName>
-                                        </p:attrNameLst>
-                                      </p:cBhvr>
-                                      <p:to>
-                                        <p:strVal val="visible"/>
-                                      </p:to>
-                                    </p:set>
-                                  </p:childTnLst>
-                                </p:cTn>
-                              </p:par>
-                            </p:childTnLst>
-                          </p:cTn>
-                        </p:par>
-                      </p:childTnLst>
-                    </p:cTn>
-                  </p:par>
-                  <p:par>
-                    <p:cTn id="11" fill="hold">
-                      <p:stCondLst>
-                        <p:cond delay="indefinite"/>
-                      </p:stCondLst>
-                      <p:childTnLst>
-                        <p:par>
-                          <p:cTn id="12" fill="hold">
-                            <p:stCondLst>
-                              <p:cond delay="0"/>
-                            </p:stCondLst>
-                            <p:childTnLst>
-                              <p:par>
-                                <p:cTn id="13" presetID="1" presetClass="entr" presetSubtype="0" fill="hold" nodeType="clickEffect">
-                                  <p:stCondLst>
-                                    <p:cond delay="0"/>
-                                  </p:stCondLst>
-                                  <p:childTnLst>
-                                    <p:set>
-                                      <p:cBhvr>
-                                        <p:cTn id="14" dur="1" fill="hold">
-                                          <p:stCondLst>
-                                            <p:cond delay="0"/>
-                                          </p:stCondLst>
-                                        </p:cTn>
-                                        <p:tgtEl>
-                                          <p:spTgt spid="3">
-                                            <p:txEl>
-                                              <p:pRg st="2" end="2"/>
-                                            </p:txEl>
-                                          </p:spTgt>
-                                        </p:tgtEl>
-                                        <p:attrNameLst>
-                                          <p:attrName>style.visibility</p:attrName>
-                                        </p:attrNameLst>
-                                      </p:cBhvr>
-                                      <p:to>
-                                        <p:strVal val="visible"/>
-                                      </p:to>
-                                    </p:set>
-                                  </p:childTnLst>
-                                </p:cTn>
-                              </p:par>
-                            </p:childTnLst>
-                          </p:cTn>
-                        </p:par>
-                      </p:childTnLst>
-                    </p:cTn>
-                  </p:par>
-                  <p:par>
-                    <p:cTn id="15" fill="hold">
-                      <p:stCondLst>
-                        <p:cond delay="indefinite"/>
-                      </p:stCondLst>
-                      <p:childTnLst>
-                        <p:par>
-                          <p:cTn id="16" fill="hold">
-                            <p:stCondLst>
-                              <p:cond delay="0"/>
-                            </p:stCondLst>
-                            <p:childTnLst>
-                              <p:par>
-                                <p:cTn id="17" presetID="1" presetClass="entr" presetSubtype="0" fill="hold" nodeType="clickEffect">
-                                  <p:stCondLst>
-                                    <p:cond delay="0"/>
-                                  </p:stCondLst>
-                                  <p:childTnLst>
-                                    <p:set>
-                                      <p:cBhvr>
-                                        <p:cTn id="18" dur="1" fill="hold">
-                                          <p:stCondLst>
-                                            <p:cond delay="0"/>
-                                          </p:stCondLst>
-                                        </p:cTn>
-                                        <p:tgtEl>
-                                          <p:spTgt spid="3">
-                                            <p:txEl>
-                                              <p:pRg st="3" end="3"/>
-                                            </p:txEl>
-                                          </p:spTgt>
-                                        </p:tgtEl>
-                                        <p:attrNameLst>
-                                          <p:attrName>style.visibility</p:attrName>
-                                        </p:attrNameLst>
-                                      </p:cBhvr>
-                                      <p:to>
-                                        <p:strVal val="visible"/>
-                                      </p:to>
-                                    </p:set>
-                                  </p:childTnLst>
-                                </p:cTn>
-                              </p:par>
-                            </p:childTnLst>
-                          </p:cTn>
-                        </p:par>
-                      </p:childTnLst>
-                    </p:cTn>
-                  </p:par>
-                  <p:par>
-                    <p:cTn id="19" fill="hold">
-                      <p:stCondLst>
-                        <p:cond delay="indefinite"/>
-                      </p:stCondLst>
-                      <p:childTnLst>
-                        <p:par>
-                          <p:cTn id="20" fill="hold">
-                            <p:stCondLst>
-                              <p:cond delay="0"/>
-                            </p:stCondLst>
-                            <p:childTnLst>
-                              <p:par>
-                                <p:cTn id="21" presetID="1" presetClass="entr" presetSubtype="0" fill="hold" nodeType="clickEffect">
-                                  <p:stCondLst>
-                                    <p:cond delay="0"/>
-                                  </p:stCondLst>
-                                  <p:childTnLst>
-                                    <p:set>
-                                      <p:cBhvr>
-                                        <p:cTn id="22" dur="1" fill="hold">
-                                          <p:stCondLst>
-                                            <p:cond delay="0"/>
-                                          </p:stCondLst>
-                                        </p:cTn>
-                                        <p:tgtEl>
-                                          <p:spTgt spid="3">
-                                            <p:txEl>
-                                              <p:pRg st="4" end="4"/>
-                                            </p:txEl>
-                                          </p:spTgt>
-                                        </p:tgtEl>
-                                        <p:attrNameLst>
-                                          <p:attrName>style.visibility</p:attrName>
-                                        </p:attrNameLst>
-                                      </p:cBhvr>
-                                      <p:to>
-                                        <p:strVal val="visible"/>
-                                      </p:to>
-                                    </p:set>
-                                  </p:childTnLst>
-                                </p:cTn>
-                              </p:par>
-                            </p:childTnLst>
-                          </p:cTn>
-                        </p:par>
-                      </p:childTnLst>
-                    </p:cTn>
-                  </p:par>
-                </p:childTnLst>
-              </p:cTn>
-              <p:prevCondLst>
-                <p:cond evt="onPrev" delay="0">
-                  <p:tgtEl>
-                    <p:sldTgt/>
-                  </p:tgtEl>
-                </p:cond>
-              </p:prevCondLst>
-              <p:nextCondLst>
-                <p:cond evt="onNext" delay="0">
-                  <p:tgtEl>
-                    <p:sldTgt/>
-                  </p:tgtEl>
-                </p:cond>
-              </p:nextCondLst>
-            </p:seq>
-          </p:childTnLst>
-        </p:cTn>
-      </p:par>
-    </p:tnLst>
-  </p:timing>
 </p:sld>
 </file>
 
@@ -7369,7 +8118,150 @@
             <a:pPr lvl="1"/>
             <a:r>
               <a:rPr dirty="0"/>
-              <a:t>SEM es un </a:t>
+              <a:t>SEM es la </a:t>
+            </a:r>
+            <a:r>
+              <a:rPr dirty="0" err="1"/>
+              <a:t>culminación</a:t>
+            </a:r>
+            <a:r>
+              <a:rPr dirty="0"/>
+              <a:t> de </a:t>
+            </a:r>
+            <a:r>
+              <a:rPr dirty="0" err="1"/>
+              <a:t>más</a:t>
+            </a:r>
+            <a:r>
+              <a:rPr dirty="0"/>
+              <a:t> de 100 </a:t>
+            </a:r>
+            <a:r>
+              <a:rPr dirty="0" err="1"/>
+              <a:t>años</a:t>
+            </a:r>
+            <a:r>
+              <a:rPr dirty="0"/>
+              <a:t> de </a:t>
+            </a:r>
+            <a:r>
+              <a:rPr dirty="0" err="1"/>
+              <a:t>evolución</a:t>
+            </a:r>
+            <a:r>
+              <a:rPr dirty="0"/>
+              <a:t> de </a:t>
+            </a:r>
+            <a:r>
+              <a:rPr dirty="0" err="1"/>
+              <a:t>teoría</a:t>
+            </a:r>
+            <a:r>
+              <a:rPr dirty="0"/>
+              <a:t> </a:t>
+            </a:r>
+            <a:r>
+              <a:rPr dirty="0" err="1"/>
+              <a:t>estadística</a:t>
+            </a:r>
+            <a:endParaRPr dirty="0"/>
+          </a:p>
+          <a:p>
+            <a:pPr lvl="1"/>
+            <a:r>
+              <a:rPr dirty="0" err="1"/>
+              <a:t>Empezó</a:t>
+            </a:r>
+            <a:r>
+              <a:rPr dirty="0"/>
+              <a:t> con Spearman (1904), </a:t>
+            </a:r>
+            <a:r>
+              <a:rPr dirty="0" err="1"/>
+              <a:t>pasando</a:t>
+            </a:r>
+            <a:r>
+              <a:rPr dirty="0"/>
+              <a:t> por Thurstone, </a:t>
+            </a:r>
+            <a:r>
+              <a:rPr dirty="0" err="1"/>
+              <a:t>Throndike</a:t>
+            </a:r>
+            <a:r>
+              <a:rPr dirty="0"/>
+              <a:t>, Hagen, </a:t>
+            </a:r>
+            <a:r>
+              <a:rPr dirty="0" err="1"/>
+              <a:t>Joreskog</a:t>
+            </a:r>
+            <a:r>
+              <a:rPr dirty="0"/>
+              <a:t> y </a:t>
+            </a:r>
+            <a:r>
+              <a:rPr dirty="0" err="1"/>
+              <a:t>culminando</a:t>
+            </a:r>
+            <a:r>
+              <a:rPr dirty="0"/>
+              <a:t> con el </a:t>
+            </a:r>
+            <a:r>
+              <a:rPr dirty="0" err="1"/>
+              <a:t>trabajo</a:t>
+            </a:r>
+            <a:r>
+              <a:rPr dirty="0"/>
+              <a:t> de </a:t>
+            </a:r>
+            <a:r>
+              <a:rPr dirty="0" err="1"/>
+              <a:t>Muthen</a:t>
+            </a:r>
+            <a:r>
+              <a:rPr dirty="0"/>
+              <a:t>.</a:t>
+            </a:r>
+          </a:p>
+          <a:p>
+            <a:pPr lvl="1"/>
+            <a:r>
+              <a:rPr dirty="0"/>
+              <a:t>Durante </a:t>
+            </a:r>
+            <a:r>
+              <a:rPr dirty="0" err="1"/>
+              <a:t>años</a:t>
+            </a:r>
+            <a:r>
+              <a:rPr dirty="0"/>
+              <a:t>, el </a:t>
+            </a:r>
+            <a:r>
+              <a:rPr dirty="0" err="1"/>
+              <a:t>analisis</a:t>
+            </a:r>
+            <a:r>
+              <a:rPr dirty="0"/>
+              <a:t> de </a:t>
+            </a:r>
+            <a:r>
+              <a:rPr dirty="0" err="1"/>
+              <a:t>correlación</a:t>
+            </a:r>
+            <a:r>
+              <a:rPr dirty="0"/>
+              <a:t>, el </a:t>
+            </a:r>
+            <a:r>
+              <a:rPr dirty="0" err="1"/>
+              <a:t>análisis</a:t>
+            </a:r>
+            <a:r>
+              <a:rPr dirty="0"/>
+              <a:t> factorial, el </a:t>
             </a:r>
             <a:r>
               <a:rPr dirty="0" err="1"/>
@@ -7381,7 +8273,78 @@
             </a:r>
             <a:r>
               <a:rPr dirty="0" err="1"/>
-              <a:t>unificado</a:t>
+              <a:t>medición</a:t>
+            </a:r>
+            <a:r>
+              <a:rPr dirty="0"/>
+              <a:t> </a:t>
+            </a:r>
+            <a:r>
+              <a:rPr dirty="0" err="1"/>
+              <a:t>clásico</a:t>
+            </a:r>
+            <a:r>
+              <a:rPr dirty="0"/>
+              <a:t> y el de variables </a:t>
+            </a:r>
+            <a:r>
+              <a:rPr dirty="0" err="1"/>
+              <a:t>latentes</a:t>
+            </a:r>
+            <a:r>
+              <a:rPr dirty="0"/>
+              <a:t> </a:t>
+            </a:r>
+            <a:r>
+              <a:rPr dirty="0" err="1"/>
+              <a:t>permanecieron</a:t>
+            </a:r>
+            <a:r>
+              <a:rPr dirty="0"/>
+              <a:t> </a:t>
+            </a:r>
+            <a:r>
+              <a:rPr dirty="0" err="1"/>
+              <a:t>vagamente</a:t>
+            </a:r>
+            <a:r>
+              <a:rPr dirty="0"/>
+              <a:t> </a:t>
+            </a:r>
+            <a:r>
+              <a:rPr dirty="0" err="1"/>
+              <a:t>conectados</a:t>
+            </a:r>
+            <a:r>
+              <a:rPr dirty="0"/>
+              <a:t>.</a:t>
+            </a:r>
+          </a:p>
+          <a:p>
+            <a:pPr lvl="1"/>
+            <a:r>
+              <a:rPr dirty="0"/>
+              <a:t>Como </a:t>
+            </a:r>
+            <a:r>
+              <a:rPr dirty="0" err="1"/>
+              <a:t>todas</a:t>
+            </a:r>
+            <a:r>
+              <a:rPr dirty="0"/>
+              <a:t> las </a:t>
+            </a:r>
+            <a:r>
+              <a:rPr dirty="0" err="1"/>
+              <a:t>grandes</a:t>
+            </a:r>
+            <a:r>
+              <a:rPr dirty="0"/>
+              <a:t> ideas hay </a:t>
+            </a:r>
+            <a:r>
+              <a:rPr dirty="0" err="1"/>
+              <a:t>grupos</a:t>
             </a:r>
             <a:r>
               <a:rPr dirty="0"/>
@@ -7389,453 +8352,206 @@
             </a:r>
             <a:r>
               <a:rPr dirty="0" err="1"/>
-              <a:t>medición</a:t>
-            </a:r>
-            <a:r>
-              <a:rPr dirty="0"/>
-              <a:t> y </a:t>
-            </a:r>
-            <a:r>
-              <a:rPr dirty="0" err="1"/>
-              <a:t>modelación</a:t>
-            </a:r>
-            <a:r>
-              <a:rPr dirty="0"/>
-              <a:t>. Es </a:t>
-            </a:r>
-            <a:r>
-              <a:rPr dirty="0" err="1"/>
-              <a:t>decir</a:t>
-            </a:r>
-            <a:r>
-              <a:rPr dirty="0"/>
-              <a:t>, </a:t>
-            </a:r>
-            <a:r>
-              <a:rPr dirty="0" err="1"/>
-              <a:t>incorpora</a:t>
-            </a:r>
-            <a:r>
-              <a:rPr dirty="0"/>
-              <a:t> el error </a:t>
-            </a:r>
-            <a:r>
-              <a:rPr dirty="0" err="1"/>
+              <a:t>gente</a:t>
+            </a:r>
+            <a:r>
+              <a:rPr dirty="0"/>
+              <a:t> </a:t>
+            </a:r>
+            <a:r>
+              <a:rPr dirty="0" err="1"/>
+              <a:t>apuntanto</a:t>
+            </a:r>
+            <a:r>
+              <a:rPr dirty="0"/>
+              <a:t> al </a:t>
+            </a:r>
+            <a:r>
+              <a:rPr dirty="0" err="1"/>
+              <a:t>mismo</a:t>
+            </a:r>
+            <a:r>
+              <a:rPr dirty="0"/>
+              <a:t> l</a:t>
+            </a:r>
+            <a:r>
+              <a:rPr lang="en-GB" dirty="0" err="1"/>
+              <a:t>ugar</a:t>
+            </a:r>
+            <a:r>
+              <a:rPr dirty="0"/>
+              <a:t>.</a:t>
+            </a:r>
+          </a:p>
+          <a:p>
+            <a:pPr lvl="1"/>
+            <a:r>
+              <a:rPr dirty="0" err="1"/>
+              <a:t>Cudeck</a:t>
+            </a:r>
+            <a:r>
+              <a:rPr dirty="0"/>
+              <a:t> and MacCallum (2012) </a:t>
+            </a:r>
+            <a:r>
+              <a:rPr dirty="0" err="1"/>
+              <a:t>tiene</a:t>
+            </a:r>
+            <a:r>
+              <a:rPr dirty="0"/>
+              <a:t> una gran </a:t>
+            </a:r>
+            <a:r>
+              <a:rPr dirty="0" err="1"/>
+              <a:t>definicion</a:t>
+            </a:r>
+            <a:r>
+              <a:rPr dirty="0"/>
+              <a:t>: </a:t>
+            </a:r>
+            <a:r>
+              <a:rPr i="1" dirty="0"/>
+              <a:t>“</a:t>
+            </a:r>
+            <a:r>
+              <a:rPr i="1" dirty="0" err="1"/>
+              <a:t>Desde</a:t>
+            </a:r>
+            <a:r>
+              <a:rPr i="1" dirty="0"/>
+              <a:t> una </a:t>
+            </a:r>
+            <a:r>
+              <a:rPr i="1" dirty="0" err="1"/>
+              <a:t>perspectiva</a:t>
+            </a:r>
+            <a:r>
+              <a:rPr i="1" dirty="0"/>
+              <a:t> </a:t>
+            </a:r>
+            <a:r>
+              <a:rPr i="1" dirty="0" err="1"/>
+              <a:t>moderna</a:t>
+            </a:r>
+            <a:r>
+              <a:rPr i="1" dirty="0"/>
+              <a:t> </a:t>
+            </a:r>
+            <a:r>
+              <a:rPr i="1" dirty="0" err="1"/>
+              <a:t>tiene</a:t>
+            </a:r>
+            <a:r>
+              <a:rPr i="1" dirty="0"/>
+              <a:t> </a:t>
+            </a:r>
+            <a:r>
+              <a:rPr i="1" dirty="0" err="1"/>
+              <a:t>todos</a:t>
+            </a:r>
+            <a:r>
+              <a:rPr i="1" dirty="0"/>
+              <a:t> los </a:t>
+            </a:r>
+            <a:r>
+              <a:rPr i="1" dirty="0" err="1"/>
+              <a:t>elementos</a:t>
+            </a:r>
+            <a:r>
+              <a:rPr i="1" dirty="0"/>
+              <a:t> de </a:t>
+            </a:r>
+            <a:r>
+              <a:rPr i="1" dirty="0" err="1"/>
+              <a:t>ciencia</a:t>
+            </a:r>
+            <a:r>
+              <a:rPr i="1" dirty="0"/>
+              <a:t> de </a:t>
+            </a:r>
+            <a:r>
+              <a:rPr i="1" dirty="0" err="1"/>
+              <a:t>excelencia</a:t>
+            </a:r>
+            <a:r>
+              <a:rPr i="1" dirty="0"/>
+              <a:t>: una </a:t>
+            </a:r>
+            <a:r>
+              <a:rPr i="1" dirty="0" err="1"/>
+              <a:t>teoría</a:t>
+            </a:r>
+            <a:r>
+              <a:rPr i="1" dirty="0"/>
+              <a:t> </a:t>
+            </a:r>
+            <a:r>
+              <a:rPr i="1" dirty="0" err="1"/>
+              <a:t>sustantiva</a:t>
+            </a:r>
+            <a:r>
+              <a:rPr i="1" dirty="0"/>
+              <a:t>, y un </a:t>
+            </a:r>
+            <a:r>
+              <a:rPr i="1" dirty="0" err="1"/>
+              <a:t>modelo</a:t>
+            </a:r>
+            <a:r>
+              <a:rPr i="1" dirty="0"/>
+              <a:t> formal que se </a:t>
+            </a:r>
+            <a:r>
+              <a:rPr i="1" dirty="0" err="1"/>
+              <a:t>basa</a:t>
+            </a:r>
+            <a:r>
+              <a:rPr i="1" dirty="0"/>
+              <a:t> </a:t>
+            </a:r>
+            <a:r>
+              <a:rPr i="1" dirty="0" err="1"/>
               <a:t>en</a:t>
             </a:r>
             <a:r>
-              <a:rPr dirty="0"/>
+              <a:rPr i="1" dirty="0"/>
               <a:t> </a:t>
             </a:r>
             <a:r>
-              <a:rPr dirty="0" err="1"/>
-              <a:t>medición</a:t>
-            </a:r>
-            <a:r>
-              <a:rPr dirty="0"/>
-              <a:t> de la variable </a:t>
-            </a:r>
-            <a:r>
-              <a:rPr dirty="0" err="1"/>
-              <a:t>dependiente</a:t>
-            </a:r>
-            <a:r>
-              <a:rPr dirty="0"/>
-              <a:t> (por </a:t>
-            </a:r>
-            <a:r>
-              <a:rPr dirty="0" err="1"/>
-              <a:t>ejemplo</a:t>
-            </a:r>
-            <a:r>
-              <a:rPr dirty="0"/>
-              <a:t>) </a:t>
-            </a:r>
-            <a:r>
-              <a:rPr dirty="0" err="1"/>
-              <a:t>así</a:t>
-            </a:r>
-            <a:r>
-              <a:rPr dirty="0"/>
+              <a:rPr i="1" dirty="0" err="1"/>
+              <a:t>teoría</a:t>
+            </a:r>
+            <a:r>
+              <a:rPr i="1" dirty="0"/>
+              <a:t> que </a:t>
+            </a:r>
+            <a:r>
+              <a:rPr i="1" dirty="0" err="1"/>
+              <a:t>considera</a:t>
+            </a:r>
+            <a:r>
+              <a:rPr i="1" dirty="0"/>
+              <a:t> la </a:t>
+            </a:r>
+            <a:r>
+              <a:rPr i="1" dirty="0" err="1"/>
+              <a:t>dimensión</a:t>
+            </a:r>
+            <a:r>
+              <a:rPr i="1" dirty="0"/>
               <a:t> </a:t>
             </a:r>
             <a:r>
-              <a:rPr dirty="0" err="1"/>
-              <a:t>como</a:t>
-            </a:r>
-            <a:r>
-              <a:rPr dirty="0"/>
-              <a:t> </a:t>
-            </a:r>
-            <a:r>
-              <a:rPr dirty="0" err="1"/>
-              <a:t>su</a:t>
-            </a:r>
-            <a:r>
-              <a:rPr dirty="0"/>
-              <a:t> </a:t>
-            </a:r>
-            <a:r>
-              <a:rPr dirty="0" err="1"/>
-              <a:t>modelación</a:t>
-            </a:r>
-            <a:r>
-              <a:rPr dirty="0"/>
-              <a:t>. Por </a:t>
-            </a:r>
-            <a:r>
-              <a:rPr dirty="0" err="1"/>
-              <a:t>ejemplo</a:t>
-            </a:r>
-            <a:r>
-              <a:rPr dirty="0"/>
-              <a:t>, </a:t>
-            </a:r>
-            <a:r>
-              <a:rPr dirty="0" err="1"/>
-              <a:t>si</a:t>
-            </a:r>
-            <a:r>
-              <a:rPr dirty="0"/>
-              <a:t> </a:t>
-            </a:r>
-            <a:r>
-              <a:rPr dirty="0" err="1"/>
-              <a:t>queremos</a:t>
-            </a:r>
-            <a:r>
-              <a:rPr dirty="0"/>
-              <a:t> </a:t>
-            </a:r>
-            <a:r>
-              <a:rPr dirty="0" err="1"/>
-              <a:t>modelar</a:t>
-            </a:r>
-            <a:r>
-              <a:rPr dirty="0"/>
-              <a:t> los </a:t>
-            </a:r>
-            <a:r>
-              <a:rPr dirty="0" err="1"/>
-              <a:t>predictores</a:t>
-            </a:r>
-            <a:r>
-              <a:rPr dirty="0"/>
-              <a:t> de </a:t>
-            </a:r>
-            <a:r>
-              <a:rPr dirty="0" err="1"/>
-              <a:t>pobreza</a:t>
-            </a:r>
-            <a:endParaRPr dirty="0"/>
-          </a:p>
-          <a:p>
-            <a:pPr lvl="1"/>
-            <a:r>
-              <a:rPr dirty="0"/>
-              <a:t>Es </a:t>
-            </a:r>
-            <a:r>
-              <a:rPr dirty="0" err="1"/>
-              <a:t>posible</a:t>
-            </a:r>
-            <a:r>
-              <a:rPr dirty="0"/>
-              <a:t> saber </a:t>
-            </a:r>
-            <a:r>
-              <a:rPr dirty="0" err="1"/>
-              <a:t>si</a:t>
-            </a:r>
-            <a:r>
-              <a:rPr dirty="0"/>
-              <a:t> </a:t>
-            </a:r>
-            <a:r>
-              <a:rPr dirty="0" err="1"/>
-              <a:t>pobreza</a:t>
-            </a:r>
-            <a:r>
-              <a:rPr dirty="0"/>
-              <a:t> </a:t>
-            </a:r>
-            <a:r>
-              <a:rPr dirty="0" err="1"/>
-              <a:t>está</a:t>
-            </a:r>
-            <a:r>
-              <a:rPr dirty="0"/>
-              <a:t> bien </a:t>
-            </a:r>
-            <a:r>
-              <a:rPr dirty="0" err="1"/>
-              <a:t>medida</a:t>
-            </a:r>
-            <a:r>
-              <a:rPr dirty="0"/>
-              <a:t> o no (</a:t>
-            </a:r>
-            <a:r>
-              <a:rPr dirty="0" err="1"/>
-              <a:t>tiene</a:t>
-            </a:r>
-            <a:r>
-              <a:rPr dirty="0"/>
-              <a:t> </a:t>
-            </a:r>
-            <a:r>
-              <a:rPr dirty="0" err="1"/>
-              <a:t>mucho</a:t>
-            </a:r>
-            <a:r>
-              <a:rPr dirty="0"/>
-              <a:t> error)</a:t>
-            </a:r>
-          </a:p>
-          <a:p>
-            <a:pPr lvl="1"/>
-            <a:r>
-              <a:rPr dirty="0" err="1"/>
-              <a:t>En</a:t>
-            </a:r>
-            <a:r>
-              <a:rPr dirty="0"/>
-              <a:t> </a:t>
-            </a:r>
-            <a:r>
-              <a:rPr dirty="0" err="1"/>
-              <a:t>econometría</a:t>
-            </a:r>
-            <a:r>
-              <a:rPr dirty="0"/>
-              <a:t> </a:t>
-            </a:r>
-            <a:r>
-              <a:rPr dirty="0" err="1"/>
-              <a:t>muchas</a:t>
-            </a:r>
-            <a:r>
-              <a:rPr dirty="0"/>
-              <a:t> </a:t>
-            </a:r>
-            <a:r>
-              <a:rPr dirty="0" err="1"/>
-              <a:t>veces</a:t>
-            </a:r>
-            <a:r>
-              <a:rPr dirty="0"/>
-              <a:t> se </a:t>
-            </a:r>
-            <a:r>
-              <a:rPr dirty="0" err="1"/>
-              <a:t>parte</a:t>
-            </a:r>
-            <a:r>
-              <a:rPr dirty="0"/>
-              <a:t> del </a:t>
-            </a:r>
-            <a:r>
-              <a:rPr dirty="0" err="1"/>
-              <a:t>supuesto</a:t>
-            </a:r>
-            <a:r>
-              <a:rPr dirty="0"/>
-              <a:t> de que las variables </a:t>
-            </a:r>
-            <a:r>
-              <a:rPr dirty="0" err="1"/>
-              <a:t>están</a:t>
-            </a:r>
-            <a:r>
-              <a:rPr dirty="0"/>
-              <a:t> bien </a:t>
-            </a:r>
-            <a:r>
-              <a:rPr dirty="0" err="1"/>
-              <a:t>medidas</a:t>
-            </a:r>
-            <a:endParaRPr dirty="0"/>
-          </a:p>
-          <a:p>
-            <a:pPr lvl="1"/>
-            <a:r>
-              <a:rPr dirty="0"/>
-              <a:t>Tambien </a:t>
-            </a:r>
-            <a:r>
-              <a:rPr dirty="0" err="1"/>
-              <a:t>podemos</a:t>
-            </a:r>
-            <a:r>
-              <a:rPr dirty="0"/>
-              <a:t> </a:t>
-            </a:r>
-            <a:r>
-              <a:rPr dirty="0" err="1"/>
-              <a:t>tener</a:t>
-            </a:r>
-            <a:r>
-              <a:rPr dirty="0"/>
-              <a:t> </a:t>
-            </a:r>
-            <a:r>
-              <a:rPr dirty="0" err="1"/>
-              <a:t>diferentes</a:t>
-            </a:r>
-            <a:r>
-              <a:rPr dirty="0"/>
-              <a:t> </a:t>
-            </a:r>
-            <a:r>
-              <a:rPr dirty="0" err="1"/>
-              <a:t>estructuras</a:t>
-            </a:r>
-            <a:r>
-              <a:rPr dirty="0"/>
-              <a:t> para </a:t>
-            </a:r>
-            <a:r>
-              <a:rPr dirty="0" err="1"/>
-              <a:t>su</a:t>
-            </a:r>
-            <a:r>
-              <a:rPr dirty="0"/>
-              <a:t> </a:t>
-            </a:r>
-            <a:r>
-              <a:rPr dirty="0" err="1"/>
-              <a:t>predicción</a:t>
-            </a:r>
-            <a:r>
-              <a:rPr dirty="0"/>
-              <a:t> (</a:t>
-            </a:r>
-            <a:r>
-              <a:rPr dirty="0" err="1"/>
-              <a:t>modelos</a:t>
-            </a:r>
-            <a:r>
-              <a:rPr dirty="0"/>
-              <a:t> </a:t>
-            </a:r>
-            <a:r>
-              <a:rPr dirty="0" err="1"/>
-              <a:t>jerárquicos</a:t>
-            </a:r>
-            <a:r>
-              <a:rPr dirty="0"/>
-              <a:t>, con </a:t>
-            </a:r>
-            <a:r>
-              <a:rPr dirty="0" err="1"/>
-              <a:t>efectos</a:t>
-            </a:r>
-            <a:r>
-              <a:rPr dirty="0"/>
-              <a:t> </a:t>
-            </a:r>
-            <a:r>
-              <a:rPr dirty="0" err="1"/>
-              <a:t>indirectos</a:t>
-            </a:r>
-            <a:r>
-              <a:rPr dirty="0"/>
-              <a:t>, </a:t>
-            </a:r>
-            <a:r>
-              <a:rPr dirty="0" err="1"/>
-              <a:t>directos</a:t>
-            </a:r>
-            <a:r>
-              <a:rPr dirty="0"/>
-              <a:t>, etc.)</a:t>
-            </a:r>
-          </a:p>
-          <a:p>
-            <a:pPr lvl="1"/>
-            <a:r>
-              <a:rPr dirty="0"/>
-              <a:t>SEM es ideal para </a:t>
-            </a:r>
-            <a:r>
-              <a:rPr dirty="0" err="1"/>
-              <a:t>ciencias</a:t>
-            </a:r>
-            <a:r>
-              <a:rPr dirty="0"/>
-              <a:t> </a:t>
-            </a:r>
-            <a:r>
-              <a:rPr dirty="0" err="1"/>
-              <a:t>sociales</a:t>
-            </a:r>
-            <a:r>
-              <a:rPr dirty="0"/>
-              <a:t> </a:t>
-            </a:r>
-            <a:r>
-              <a:rPr dirty="0" err="1"/>
-              <a:t>porque</a:t>
-            </a:r>
-            <a:r>
-              <a:rPr dirty="0"/>
-              <a:t> </a:t>
-            </a:r>
-            <a:r>
-              <a:rPr dirty="0" err="1"/>
-              <a:t>generalmente</a:t>
-            </a:r>
-            <a:r>
-              <a:rPr dirty="0"/>
-              <a:t> </a:t>
-            </a:r>
-            <a:r>
-              <a:rPr dirty="0" err="1"/>
-              <a:t>trabajamos</a:t>
-            </a:r>
-            <a:r>
-              <a:rPr dirty="0"/>
-              <a:t> con </a:t>
-            </a:r>
-            <a:r>
-              <a:rPr dirty="0" err="1"/>
-              <a:t>conceptos</a:t>
-            </a:r>
-            <a:r>
-              <a:rPr dirty="0"/>
-              <a:t>/</a:t>
-            </a:r>
-            <a:r>
-              <a:rPr dirty="0" err="1"/>
-              <a:t>abstracciones</a:t>
-            </a:r>
-            <a:r>
-              <a:rPr dirty="0"/>
-              <a:t>. Es </a:t>
-            </a:r>
-            <a:r>
-              <a:rPr dirty="0" err="1"/>
-              <a:t>decir</a:t>
-            </a:r>
-            <a:r>
-              <a:rPr dirty="0"/>
-              <a:t>, con </a:t>
-            </a:r>
-            <a:r>
-              <a:rPr dirty="0" err="1"/>
-              <a:t>fenómenos</a:t>
-            </a:r>
-            <a:r>
-              <a:rPr dirty="0"/>
-              <a:t> que no son </a:t>
-            </a:r>
-            <a:r>
-              <a:rPr dirty="0" err="1"/>
-              <a:t>directamente</a:t>
-            </a:r>
-            <a:r>
-              <a:rPr dirty="0"/>
-              <a:t> observables.</a:t>
+              <a:rPr i="1" dirty="0" err="1"/>
+              <a:t>empírica</a:t>
+            </a:r>
+            <a:r>
+              <a:rPr i="1" dirty="0"/>
+              <a:t>”</a:t>
+            </a:r>
+            <a:r>
+              <a:rPr dirty="0"/>
+              <a:t> (p.3)</a:t>
             </a:r>
           </a:p>
         </p:txBody>
